--- a/kernel/kernel/Kernel_Density.pptx
+++ b/kernel/kernel/Kernel_Density.pptx
@@ -11,7 +11,12 @@
     <p:sldId id="259" r:id="rId5"/>
     <p:sldId id="260" r:id="rId6"/>
     <p:sldId id="261" r:id="rId7"/>
-    <p:sldId id="262" r:id="rId8"/>
+    <p:sldId id="263" r:id="rId8"/>
+    <p:sldId id="262" r:id="rId9"/>
+    <p:sldId id="264" r:id="rId10"/>
+    <p:sldId id="265" r:id="rId11"/>
+    <p:sldId id="266" r:id="rId12"/>
+    <p:sldId id="267" r:id="rId13"/>
   </p:sldIdLst>
   <p:sldSz cx="9144000" cy="6858000" type="screen4x3"/>
   <p:notesSz cx="6858000" cy="9144000"/>
@@ -113,6 +118,3361 @@
 </p:presentation>
 </file>
 
+<file path=ppt/diagrams/colors1.xml><?xml version="1.0" encoding="utf-8"?>
+<dgm:colorsDef xmlns:dgm="http://schemas.openxmlformats.org/drawingml/2006/diagram" xmlns:a="http://schemas.openxmlformats.org/drawingml/2006/main" uniqueId="urn:microsoft.com/office/officeart/2005/8/colors/accent0_3">
+  <dgm:title val=""/>
+  <dgm:desc val=""/>
+  <dgm:catLst>
+    <dgm:cat type="mainScheme" pri="10300"/>
+  </dgm:catLst>
+  <dgm:styleLbl name="node0">
+    <dgm:fillClrLst meth="repeat">
+      <a:schemeClr val="dk2"/>
+    </dgm:fillClrLst>
+    <dgm:linClrLst meth="repeat">
+      <a:schemeClr val="lt2"/>
+    </dgm:linClrLst>
+    <dgm:effectClrLst/>
+    <dgm:txLinClrLst/>
+    <dgm:txFillClrLst/>
+    <dgm:txEffectClrLst/>
+  </dgm:styleLbl>
+  <dgm:styleLbl name="alignNode1">
+    <dgm:fillClrLst meth="repeat">
+      <a:schemeClr val="dk2"/>
+    </dgm:fillClrLst>
+    <dgm:linClrLst meth="repeat">
+      <a:schemeClr val="dk2"/>
+    </dgm:linClrLst>
+    <dgm:effectClrLst/>
+    <dgm:txLinClrLst/>
+    <dgm:txFillClrLst/>
+    <dgm:txEffectClrLst/>
+  </dgm:styleLbl>
+  <dgm:styleLbl name="node1">
+    <dgm:fillClrLst meth="repeat">
+      <a:schemeClr val="dk2"/>
+    </dgm:fillClrLst>
+    <dgm:linClrLst meth="repeat">
+      <a:schemeClr val="lt2"/>
+    </dgm:linClrLst>
+    <dgm:effectClrLst/>
+    <dgm:txLinClrLst/>
+    <dgm:txFillClrLst/>
+    <dgm:txEffectClrLst/>
+  </dgm:styleLbl>
+  <dgm:styleLbl name="lnNode1">
+    <dgm:fillClrLst meth="repeat">
+      <a:schemeClr val="dk2"/>
+    </dgm:fillClrLst>
+    <dgm:linClrLst meth="repeat">
+      <a:schemeClr val="lt2"/>
+    </dgm:linClrLst>
+    <dgm:effectClrLst/>
+    <dgm:txLinClrLst/>
+    <dgm:txFillClrLst/>
+    <dgm:txEffectClrLst/>
+  </dgm:styleLbl>
+  <dgm:styleLbl name="vennNode1">
+    <dgm:fillClrLst meth="repeat">
+      <a:schemeClr val="dk2">
+        <a:alpha val="50000"/>
+      </a:schemeClr>
+    </dgm:fillClrLst>
+    <dgm:linClrLst meth="repeat">
+      <a:schemeClr val="lt2"/>
+    </dgm:linClrLst>
+    <dgm:effectClrLst/>
+    <dgm:txLinClrLst/>
+    <dgm:txFillClrLst/>
+    <dgm:txEffectClrLst/>
+  </dgm:styleLbl>
+  <dgm:styleLbl name="node2">
+    <dgm:fillClrLst meth="repeat">
+      <a:schemeClr val="dk2"/>
+    </dgm:fillClrLst>
+    <dgm:linClrLst meth="repeat">
+      <a:schemeClr val="lt2"/>
+    </dgm:linClrLst>
+    <dgm:effectClrLst/>
+    <dgm:txLinClrLst/>
+    <dgm:txFillClrLst/>
+    <dgm:txEffectClrLst/>
+  </dgm:styleLbl>
+  <dgm:styleLbl name="node3">
+    <dgm:fillClrLst meth="repeat">
+      <a:schemeClr val="dk2"/>
+    </dgm:fillClrLst>
+    <dgm:linClrLst meth="repeat">
+      <a:schemeClr val="lt2"/>
+    </dgm:linClrLst>
+    <dgm:effectClrLst/>
+    <dgm:txLinClrLst/>
+    <dgm:txFillClrLst/>
+    <dgm:txEffectClrLst/>
+  </dgm:styleLbl>
+  <dgm:styleLbl name="node4">
+    <dgm:fillClrLst meth="repeat">
+      <a:schemeClr val="dk2"/>
+    </dgm:fillClrLst>
+    <dgm:linClrLst meth="repeat">
+      <a:schemeClr val="lt2"/>
+    </dgm:linClrLst>
+    <dgm:effectClrLst/>
+    <dgm:txLinClrLst/>
+    <dgm:txFillClrLst/>
+    <dgm:txEffectClrLst/>
+  </dgm:styleLbl>
+  <dgm:styleLbl name="fgImgPlace1">
+    <dgm:fillClrLst meth="repeat">
+      <a:schemeClr val="dk2">
+        <a:tint val="50000"/>
+      </a:schemeClr>
+    </dgm:fillClrLst>
+    <dgm:linClrLst meth="repeat">
+      <a:schemeClr val="lt2"/>
+    </dgm:linClrLst>
+    <dgm:effectClrLst/>
+    <dgm:txLinClrLst/>
+    <dgm:txFillClrLst meth="repeat">
+      <a:schemeClr val="lt2"/>
+    </dgm:txFillClrLst>
+    <dgm:txEffectClrLst/>
+  </dgm:styleLbl>
+  <dgm:styleLbl name="alignImgPlace1">
+    <dgm:fillClrLst meth="repeat">
+      <a:schemeClr val="dk2">
+        <a:tint val="50000"/>
+      </a:schemeClr>
+    </dgm:fillClrLst>
+    <dgm:linClrLst meth="repeat">
+      <a:schemeClr val="dk2">
+        <a:shade val="80000"/>
+      </a:schemeClr>
+    </dgm:linClrLst>
+    <dgm:effectClrLst/>
+    <dgm:txLinClrLst/>
+    <dgm:txFillClrLst meth="repeat">
+      <a:schemeClr val="lt2"/>
+    </dgm:txFillClrLst>
+    <dgm:txEffectClrLst/>
+  </dgm:styleLbl>
+  <dgm:styleLbl name="bgImgPlace1">
+    <dgm:fillClrLst meth="repeat">
+      <a:schemeClr val="dk2">
+        <a:tint val="50000"/>
+      </a:schemeClr>
+    </dgm:fillClrLst>
+    <dgm:linClrLst meth="repeat">
+      <a:schemeClr val="dk2">
+        <a:shade val="80000"/>
+      </a:schemeClr>
+    </dgm:linClrLst>
+    <dgm:effectClrLst/>
+    <dgm:txLinClrLst/>
+    <dgm:txFillClrLst meth="repeat">
+      <a:schemeClr val="lt2"/>
+    </dgm:txFillClrLst>
+    <dgm:txEffectClrLst/>
+  </dgm:styleLbl>
+  <dgm:styleLbl name="sibTrans2D1">
+    <dgm:fillClrLst meth="repeat">
+      <a:schemeClr val="dk2">
+        <a:tint val="60000"/>
+      </a:schemeClr>
+    </dgm:fillClrLst>
+    <dgm:linClrLst meth="repeat">
+      <a:schemeClr val="dk2">
+        <a:tint val="60000"/>
+      </a:schemeClr>
+    </dgm:linClrLst>
+    <dgm:effectClrLst/>
+    <dgm:txLinClrLst/>
+    <dgm:txFillClrLst/>
+    <dgm:txEffectClrLst/>
+  </dgm:styleLbl>
+  <dgm:styleLbl name="fgSibTrans2D1">
+    <dgm:fillClrLst meth="repeat">
+      <a:schemeClr val="dk2">
+        <a:tint val="60000"/>
+      </a:schemeClr>
+    </dgm:fillClrLst>
+    <dgm:linClrLst meth="repeat">
+      <a:schemeClr val="dk2">
+        <a:tint val="60000"/>
+      </a:schemeClr>
+    </dgm:linClrLst>
+    <dgm:effectClrLst/>
+    <dgm:txLinClrLst/>
+    <dgm:txFillClrLst/>
+    <dgm:txEffectClrLst/>
+  </dgm:styleLbl>
+  <dgm:styleLbl name="bgSibTrans2D1">
+    <dgm:fillClrLst meth="repeat">
+      <a:schemeClr val="dk2">
+        <a:tint val="60000"/>
+      </a:schemeClr>
+    </dgm:fillClrLst>
+    <dgm:linClrLst meth="repeat">
+      <a:schemeClr val="dk2">
+        <a:tint val="60000"/>
+      </a:schemeClr>
+    </dgm:linClrLst>
+    <dgm:effectClrLst/>
+    <dgm:txLinClrLst/>
+    <dgm:txFillClrLst/>
+    <dgm:txEffectClrLst/>
+  </dgm:styleLbl>
+  <dgm:styleLbl name="sibTrans1D1">
+    <dgm:fillClrLst meth="repeat">
+      <a:schemeClr val="dk2"/>
+    </dgm:fillClrLst>
+    <dgm:linClrLst meth="repeat">
+      <a:schemeClr val="dk2"/>
+    </dgm:linClrLst>
+    <dgm:effectClrLst/>
+    <dgm:txLinClrLst/>
+    <dgm:txFillClrLst meth="repeat">
+      <a:schemeClr val="lt2"/>
+    </dgm:txFillClrLst>
+    <dgm:txEffectClrLst/>
+  </dgm:styleLbl>
+  <dgm:styleLbl name="callout">
+    <dgm:fillClrLst meth="repeat">
+      <a:schemeClr val="dk2"/>
+    </dgm:fillClrLst>
+    <dgm:linClrLst meth="repeat">
+      <a:schemeClr val="dk2">
+        <a:tint val="50000"/>
+      </a:schemeClr>
+    </dgm:linClrLst>
+    <dgm:effectClrLst/>
+    <dgm:txLinClrLst/>
+    <dgm:txFillClrLst meth="repeat">
+      <a:schemeClr val="lt2"/>
+    </dgm:txFillClrLst>
+    <dgm:txEffectClrLst/>
+  </dgm:styleLbl>
+  <dgm:styleLbl name="asst0">
+    <dgm:fillClrLst meth="repeat">
+      <a:schemeClr val="dk2"/>
+    </dgm:fillClrLst>
+    <dgm:linClrLst meth="repeat">
+      <a:schemeClr val="lt2"/>
+    </dgm:linClrLst>
+    <dgm:effectClrLst/>
+    <dgm:txLinClrLst/>
+    <dgm:txFillClrLst/>
+    <dgm:txEffectClrLst/>
+  </dgm:styleLbl>
+  <dgm:styleLbl name="asst1">
+    <dgm:fillClrLst meth="repeat">
+      <a:schemeClr val="dk2"/>
+    </dgm:fillClrLst>
+    <dgm:linClrLst meth="repeat">
+      <a:schemeClr val="lt2"/>
+    </dgm:linClrLst>
+    <dgm:effectClrLst/>
+    <dgm:txLinClrLst/>
+    <dgm:txFillClrLst/>
+    <dgm:txEffectClrLst/>
+  </dgm:styleLbl>
+  <dgm:styleLbl name="asst2">
+    <dgm:fillClrLst meth="repeat">
+      <a:schemeClr val="dk2"/>
+    </dgm:fillClrLst>
+    <dgm:linClrLst meth="repeat">
+      <a:schemeClr val="lt2"/>
+    </dgm:linClrLst>
+    <dgm:effectClrLst/>
+    <dgm:txLinClrLst/>
+    <dgm:txFillClrLst/>
+    <dgm:txEffectClrLst/>
+  </dgm:styleLbl>
+  <dgm:styleLbl name="asst3">
+    <dgm:fillClrLst meth="repeat">
+      <a:schemeClr val="dk2"/>
+    </dgm:fillClrLst>
+    <dgm:linClrLst meth="repeat">
+      <a:schemeClr val="lt2"/>
+    </dgm:linClrLst>
+    <dgm:effectClrLst/>
+    <dgm:txLinClrLst/>
+    <dgm:txFillClrLst/>
+    <dgm:txEffectClrLst/>
+  </dgm:styleLbl>
+  <dgm:styleLbl name="asst4">
+    <dgm:fillClrLst meth="repeat">
+      <a:schemeClr val="dk2"/>
+    </dgm:fillClrLst>
+    <dgm:linClrLst meth="repeat">
+      <a:schemeClr val="lt2"/>
+    </dgm:linClrLst>
+    <dgm:effectClrLst/>
+    <dgm:txLinClrLst/>
+    <dgm:txFillClrLst/>
+    <dgm:txEffectClrLst/>
+  </dgm:styleLbl>
+  <dgm:styleLbl name="parChTrans2D1">
+    <dgm:fillClrLst meth="repeat">
+      <a:schemeClr val="dk2">
+        <a:tint val="60000"/>
+      </a:schemeClr>
+    </dgm:fillClrLst>
+    <dgm:linClrLst meth="repeat">
+      <a:schemeClr val="dk2">
+        <a:tint val="60000"/>
+      </a:schemeClr>
+    </dgm:linClrLst>
+    <dgm:effectClrLst/>
+    <dgm:txLinClrLst/>
+    <dgm:txFillClrLst meth="repeat">
+      <a:schemeClr val="lt2"/>
+    </dgm:txFillClrLst>
+    <dgm:txEffectClrLst/>
+  </dgm:styleLbl>
+  <dgm:styleLbl name="parChTrans2D2">
+    <dgm:fillClrLst meth="repeat">
+      <a:schemeClr val="dk2"/>
+    </dgm:fillClrLst>
+    <dgm:linClrLst meth="repeat">
+      <a:schemeClr val="dk2"/>
+    </dgm:linClrLst>
+    <dgm:effectClrLst/>
+    <dgm:txLinClrLst/>
+    <dgm:txFillClrLst meth="repeat">
+      <a:schemeClr val="lt2"/>
+    </dgm:txFillClrLst>
+    <dgm:txEffectClrLst/>
+  </dgm:styleLbl>
+  <dgm:styleLbl name="parChTrans2D3">
+    <dgm:fillClrLst meth="repeat">
+      <a:schemeClr val="dk2"/>
+    </dgm:fillClrLst>
+    <dgm:linClrLst meth="repeat">
+      <a:schemeClr val="dk2"/>
+    </dgm:linClrLst>
+    <dgm:effectClrLst/>
+    <dgm:txLinClrLst/>
+    <dgm:txFillClrLst meth="repeat">
+      <a:schemeClr val="lt2"/>
+    </dgm:txFillClrLst>
+    <dgm:txEffectClrLst/>
+  </dgm:styleLbl>
+  <dgm:styleLbl name="parChTrans2D4">
+    <dgm:fillClrLst meth="repeat">
+      <a:schemeClr val="dk2"/>
+    </dgm:fillClrLst>
+    <dgm:linClrLst meth="repeat">
+      <a:schemeClr val="dk2"/>
+    </dgm:linClrLst>
+    <dgm:effectClrLst/>
+    <dgm:txLinClrLst/>
+    <dgm:txFillClrLst meth="repeat">
+      <a:schemeClr val="lt2"/>
+    </dgm:txFillClrLst>
+    <dgm:txEffectClrLst/>
+  </dgm:styleLbl>
+  <dgm:styleLbl name="parChTrans1D1">
+    <dgm:fillClrLst meth="repeat">
+      <a:schemeClr val="dk2"/>
+    </dgm:fillClrLst>
+    <dgm:linClrLst meth="repeat">
+      <a:schemeClr val="dk2">
+        <a:shade val="60000"/>
+      </a:schemeClr>
+    </dgm:linClrLst>
+    <dgm:effectClrLst/>
+    <dgm:txLinClrLst/>
+    <dgm:txFillClrLst meth="repeat">
+      <a:schemeClr val="tx1"/>
+    </dgm:txFillClrLst>
+    <dgm:txEffectClrLst/>
+  </dgm:styleLbl>
+  <dgm:styleLbl name="parChTrans1D2">
+    <dgm:fillClrLst meth="repeat">
+      <a:schemeClr val="dk2"/>
+    </dgm:fillClrLst>
+    <dgm:linClrLst meth="repeat">
+      <a:schemeClr val="dk2">
+        <a:shade val="60000"/>
+      </a:schemeClr>
+    </dgm:linClrLst>
+    <dgm:effectClrLst/>
+    <dgm:txLinClrLst/>
+    <dgm:txFillClrLst meth="repeat">
+      <a:schemeClr val="tx1"/>
+    </dgm:txFillClrLst>
+    <dgm:txEffectClrLst/>
+  </dgm:styleLbl>
+  <dgm:styleLbl name="parChTrans1D3">
+    <dgm:fillClrLst meth="repeat">
+      <a:schemeClr val="dk2"/>
+    </dgm:fillClrLst>
+    <dgm:linClrLst meth="repeat">
+      <a:schemeClr val="dk2">
+        <a:shade val="80000"/>
+      </a:schemeClr>
+    </dgm:linClrLst>
+    <dgm:effectClrLst/>
+    <dgm:txLinClrLst/>
+    <dgm:txFillClrLst meth="repeat">
+      <a:schemeClr val="tx1"/>
+    </dgm:txFillClrLst>
+    <dgm:txEffectClrLst/>
+  </dgm:styleLbl>
+  <dgm:styleLbl name="parChTrans1D4">
+    <dgm:fillClrLst meth="repeat">
+      <a:schemeClr val="dk2"/>
+    </dgm:fillClrLst>
+    <dgm:linClrLst meth="repeat">
+      <a:schemeClr val="dk2">
+        <a:shade val="80000"/>
+      </a:schemeClr>
+    </dgm:linClrLst>
+    <dgm:effectClrLst/>
+    <dgm:txLinClrLst/>
+    <dgm:txFillClrLst meth="repeat">
+      <a:schemeClr val="tx1"/>
+    </dgm:txFillClrLst>
+    <dgm:txEffectClrLst/>
+  </dgm:styleLbl>
+  <dgm:styleLbl name="fgAcc1">
+    <dgm:fillClrLst meth="repeat">
+      <a:schemeClr val="lt2">
+        <a:alpha val="90000"/>
+      </a:schemeClr>
+    </dgm:fillClrLst>
+    <dgm:linClrLst meth="repeat">
+      <a:schemeClr val="dk2"/>
+    </dgm:linClrLst>
+    <dgm:effectClrLst/>
+    <dgm:txLinClrLst/>
+    <dgm:txFillClrLst meth="repeat">
+      <a:schemeClr val="dk1"/>
+    </dgm:txFillClrLst>
+    <dgm:txEffectClrLst/>
+  </dgm:styleLbl>
+  <dgm:styleLbl name="conFgAcc1">
+    <dgm:fillClrLst meth="repeat">
+      <a:schemeClr val="lt2">
+        <a:alpha val="90000"/>
+      </a:schemeClr>
+    </dgm:fillClrLst>
+    <dgm:linClrLst meth="repeat">
+      <a:schemeClr val="dk2"/>
+    </dgm:linClrLst>
+    <dgm:effectClrLst/>
+    <dgm:txLinClrLst/>
+    <dgm:txFillClrLst meth="repeat">
+      <a:schemeClr val="dk1"/>
+    </dgm:txFillClrLst>
+    <dgm:txEffectClrLst/>
+  </dgm:styleLbl>
+  <dgm:styleLbl name="alignAcc1">
+    <dgm:fillClrLst meth="repeat">
+      <a:schemeClr val="lt2">
+        <a:alpha val="90000"/>
+      </a:schemeClr>
+    </dgm:fillClrLst>
+    <dgm:linClrLst meth="repeat">
+      <a:schemeClr val="dk2"/>
+    </dgm:linClrLst>
+    <dgm:effectClrLst/>
+    <dgm:txLinClrLst/>
+    <dgm:txFillClrLst meth="repeat">
+      <a:schemeClr val="dk1"/>
+    </dgm:txFillClrLst>
+    <dgm:txEffectClrLst/>
+  </dgm:styleLbl>
+  <dgm:styleLbl name="trAlignAcc1">
+    <dgm:fillClrLst meth="repeat">
+      <a:schemeClr val="lt2">
+        <a:alpha val="40000"/>
+      </a:schemeClr>
+    </dgm:fillClrLst>
+    <dgm:linClrLst meth="repeat">
+      <a:schemeClr val="dk2"/>
+    </dgm:linClrLst>
+    <dgm:effectClrLst/>
+    <dgm:txLinClrLst/>
+    <dgm:txFillClrLst meth="repeat">
+      <a:schemeClr val="dk1"/>
+    </dgm:txFillClrLst>
+    <dgm:txEffectClrLst/>
+  </dgm:styleLbl>
+  <dgm:styleLbl name="bgAcc1">
+    <dgm:fillClrLst meth="repeat">
+      <a:schemeClr val="lt2">
+        <a:alpha val="90000"/>
+      </a:schemeClr>
+    </dgm:fillClrLst>
+    <dgm:linClrLst meth="repeat">
+      <a:schemeClr val="dk2"/>
+    </dgm:linClrLst>
+    <dgm:effectClrLst/>
+    <dgm:txLinClrLst/>
+    <dgm:txFillClrLst meth="repeat">
+      <a:schemeClr val="dk1"/>
+    </dgm:txFillClrLst>
+    <dgm:txEffectClrLst/>
+  </dgm:styleLbl>
+  <dgm:styleLbl name="solidFgAcc1">
+    <dgm:fillClrLst meth="repeat">
+      <a:schemeClr val="lt2"/>
+    </dgm:fillClrLst>
+    <dgm:linClrLst meth="repeat">
+      <a:schemeClr val="dk2"/>
+    </dgm:linClrLst>
+    <dgm:effectClrLst/>
+    <dgm:txLinClrLst/>
+    <dgm:txFillClrLst meth="repeat">
+      <a:schemeClr val="dk1"/>
+    </dgm:txFillClrLst>
+    <dgm:txEffectClrLst/>
+  </dgm:styleLbl>
+  <dgm:styleLbl name="solidAlignAcc1">
+    <dgm:fillClrLst meth="repeat">
+      <a:schemeClr val="lt2"/>
+    </dgm:fillClrLst>
+    <dgm:linClrLst meth="repeat">
+      <a:schemeClr val="dk2"/>
+    </dgm:linClrLst>
+    <dgm:effectClrLst/>
+    <dgm:txLinClrLst/>
+    <dgm:txFillClrLst meth="repeat">
+      <a:schemeClr val="dk1"/>
+    </dgm:txFillClrLst>
+    <dgm:txEffectClrLst/>
+  </dgm:styleLbl>
+  <dgm:styleLbl name="solidBgAcc1">
+    <dgm:fillClrLst meth="repeat">
+      <a:schemeClr val="lt2"/>
+    </dgm:fillClrLst>
+    <dgm:linClrLst meth="repeat">
+      <a:schemeClr val="dk2"/>
+    </dgm:linClrLst>
+    <dgm:effectClrLst/>
+    <dgm:txLinClrLst/>
+    <dgm:txFillClrLst meth="repeat">
+      <a:schemeClr val="dk1"/>
+    </dgm:txFillClrLst>
+    <dgm:txEffectClrLst/>
+  </dgm:styleLbl>
+  <dgm:styleLbl name="fgAccFollowNode1">
+    <dgm:fillClrLst meth="repeat">
+      <a:schemeClr val="dk2">
+        <a:alpha val="90000"/>
+        <a:tint val="40000"/>
+      </a:schemeClr>
+    </dgm:fillClrLst>
+    <dgm:linClrLst meth="repeat">
+      <a:schemeClr val="dk2">
+        <a:alpha val="90000"/>
+        <a:tint val="40000"/>
+      </a:schemeClr>
+    </dgm:linClrLst>
+    <dgm:effectClrLst/>
+    <dgm:txLinClrLst/>
+    <dgm:txFillClrLst meth="repeat">
+      <a:schemeClr val="dk1"/>
+    </dgm:txFillClrLst>
+    <dgm:txEffectClrLst/>
+  </dgm:styleLbl>
+  <dgm:styleLbl name="alignAccFollowNode1">
+    <dgm:fillClrLst meth="repeat">
+      <a:schemeClr val="dk2">
+        <a:alpha val="90000"/>
+        <a:tint val="40000"/>
+      </a:schemeClr>
+    </dgm:fillClrLst>
+    <dgm:linClrLst meth="repeat">
+      <a:schemeClr val="dk2">
+        <a:alpha val="90000"/>
+        <a:tint val="40000"/>
+      </a:schemeClr>
+    </dgm:linClrLst>
+    <dgm:effectClrLst/>
+    <dgm:txLinClrLst/>
+    <dgm:txFillClrLst meth="repeat">
+      <a:schemeClr val="dk1"/>
+    </dgm:txFillClrLst>
+    <dgm:txEffectClrLst/>
+  </dgm:styleLbl>
+  <dgm:styleLbl name="bgAccFollowNode1">
+    <dgm:fillClrLst meth="repeat">
+      <a:schemeClr val="dk2">
+        <a:alpha val="90000"/>
+        <a:tint val="40000"/>
+      </a:schemeClr>
+    </dgm:fillClrLst>
+    <dgm:linClrLst meth="repeat">
+      <a:schemeClr val="dk2">
+        <a:alpha val="90000"/>
+        <a:tint val="40000"/>
+      </a:schemeClr>
+    </dgm:linClrLst>
+    <dgm:effectClrLst/>
+    <dgm:txLinClrLst/>
+    <dgm:txFillClrLst meth="repeat">
+      <a:schemeClr val="dk1"/>
+    </dgm:txFillClrLst>
+    <dgm:txEffectClrLst/>
+  </dgm:styleLbl>
+  <dgm:styleLbl name="fgAcc0">
+    <dgm:fillClrLst meth="repeat">
+      <a:schemeClr val="lt2">
+        <a:alpha val="90000"/>
+      </a:schemeClr>
+    </dgm:fillClrLst>
+    <dgm:linClrLst meth="repeat">
+      <a:schemeClr val="dk2"/>
+    </dgm:linClrLst>
+    <dgm:effectClrLst/>
+    <dgm:txLinClrLst/>
+    <dgm:txFillClrLst meth="repeat">
+      <a:schemeClr val="dk1"/>
+    </dgm:txFillClrLst>
+    <dgm:txEffectClrLst/>
+  </dgm:styleLbl>
+  <dgm:styleLbl name="fgAcc2">
+    <dgm:fillClrLst meth="repeat">
+      <a:schemeClr val="lt2">
+        <a:alpha val="90000"/>
+      </a:schemeClr>
+    </dgm:fillClrLst>
+    <dgm:linClrLst meth="repeat">
+      <a:schemeClr val="dk2"/>
+    </dgm:linClrLst>
+    <dgm:effectClrLst/>
+    <dgm:txLinClrLst/>
+    <dgm:txFillClrLst meth="repeat">
+      <a:schemeClr val="dk1"/>
+    </dgm:txFillClrLst>
+    <dgm:txEffectClrLst/>
+  </dgm:styleLbl>
+  <dgm:styleLbl name="fgAcc3">
+    <dgm:fillClrLst meth="repeat">
+      <a:schemeClr val="lt2">
+        <a:alpha val="90000"/>
+      </a:schemeClr>
+    </dgm:fillClrLst>
+    <dgm:linClrLst meth="repeat">
+      <a:schemeClr val="dk2"/>
+    </dgm:linClrLst>
+    <dgm:effectClrLst/>
+    <dgm:txLinClrLst/>
+    <dgm:txFillClrLst meth="repeat">
+      <a:schemeClr val="dk1"/>
+    </dgm:txFillClrLst>
+    <dgm:txEffectClrLst/>
+  </dgm:styleLbl>
+  <dgm:styleLbl name="fgAcc4">
+    <dgm:fillClrLst meth="repeat">
+      <a:schemeClr val="lt2">
+        <a:alpha val="90000"/>
+      </a:schemeClr>
+    </dgm:fillClrLst>
+    <dgm:linClrLst meth="repeat">
+      <a:schemeClr val="dk2"/>
+    </dgm:linClrLst>
+    <dgm:effectClrLst/>
+    <dgm:txLinClrLst/>
+    <dgm:txFillClrLst meth="repeat">
+      <a:schemeClr val="dk1"/>
+    </dgm:txFillClrLst>
+    <dgm:txEffectClrLst/>
+  </dgm:styleLbl>
+  <dgm:styleLbl name="bgShp">
+    <dgm:fillClrLst meth="repeat">
+      <a:schemeClr val="dk2">
+        <a:tint val="40000"/>
+      </a:schemeClr>
+    </dgm:fillClrLst>
+    <dgm:linClrLst meth="repeat">
+      <a:schemeClr val="dk2"/>
+    </dgm:linClrLst>
+    <dgm:effectClrLst/>
+    <dgm:txLinClrLst/>
+    <dgm:txFillClrLst meth="repeat">
+      <a:schemeClr val="dk1"/>
+    </dgm:txFillClrLst>
+    <dgm:txEffectClrLst/>
+  </dgm:styleLbl>
+  <dgm:styleLbl name="dkBgShp">
+    <dgm:fillClrLst meth="repeat">
+      <a:schemeClr val="dk2">
+        <a:shade val="80000"/>
+      </a:schemeClr>
+    </dgm:fillClrLst>
+    <dgm:linClrLst meth="repeat">
+      <a:schemeClr val="dk2"/>
+    </dgm:linClrLst>
+    <dgm:effectClrLst/>
+    <dgm:txLinClrLst/>
+    <dgm:txFillClrLst meth="repeat">
+      <a:schemeClr val="lt1"/>
+    </dgm:txFillClrLst>
+    <dgm:txEffectClrLst/>
+  </dgm:styleLbl>
+  <dgm:styleLbl name="trBgShp">
+    <dgm:fillClrLst meth="repeat">
+      <a:schemeClr val="dk2">
+        <a:tint val="50000"/>
+        <a:alpha val="40000"/>
+      </a:schemeClr>
+    </dgm:fillClrLst>
+    <dgm:linClrLst meth="repeat">
+      <a:schemeClr val="dk2"/>
+    </dgm:linClrLst>
+    <dgm:effectClrLst/>
+    <dgm:txLinClrLst/>
+    <dgm:txFillClrLst meth="repeat">
+      <a:schemeClr val="lt1"/>
+    </dgm:txFillClrLst>
+    <dgm:txEffectClrLst/>
+  </dgm:styleLbl>
+  <dgm:styleLbl name="fgShp">
+    <dgm:fillClrLst meth="repeat">
+      <a:schemeClr val="dk2">
+        <a:tint val="60000"/>
+      </a:schemeClr>
+    </dgm:fillClrLst>
+    <dgm:linClrLst meth="repeat">
+      <a:schemeClr val="lt2"/>
+    </dgm:linClrLst>
+    <dgm:effectClrLst/>
+    <dgm:txLinClrLst/>
+    <dgm:txFillClrLst meth="repeat">
+      <a:schemeClr val="dk1"/>
+    </dgm:txFillClrLst>
+    <dgm:txEffectClrLst/>
+  </dgm:styleLbl>
+  <dgm:styleLbl name="revTx">
+    <dgm:fillClrLst meth="repeat">
+      <a:schemeClr val="lt2">
+        <a:alpha val="0"/>
+      </a:schemeClr>
+    </dgm:fillClrLst>
+    <dgm:linClrLst meth="repeat">
+      <a:schemeClr val="dk1">
+        <a:alpha val="0"/>
+      </a:schemeClr>
+    </dgm:linClrLst>
+    <dgm:effectClrLst/>
+    <dgm:txLinClrLst/>
+    <dgm:txFillClrLst meth="repeat">
+      <a:schemeClr val="tx1"/>
+    </dgm:txFillClrLst>
+    <dgm:txEffectClrLst/>
+  </dgm:styleLbl>
+</dgm:colorsDef>
+</file>
+
+<file path=ppt/diagrams/data1.xml><?xml version="1.0" encoding="utf-8"?>
+<dgm:dataModel xmlns:dgm="http://schemas.openxmlformats.org/drawingml/2006/diagram" xmlns:a="http://schemas.openxmlformats.org/drawingml/2006/main">
+  <dgm:ptLst>
+    <dgm:pt modelId="{DA4AE808-47F9-45CF-9F21-6B10C2DB1150}" type="doc">
+      <dgm:prSet loTypeId="urn:microsoft.com/office/officeart/2005/8/layout/lProcess3" loCatId="process" qsTypeId="urn:microsoft.com/office/officeart/2005/8/quickstyle/simple1" qsCatId="simple" csTypeId="urn:microsoft.com/office/officeart/2005/8/colors/accent0_3" csCatId="mainScheme" phldr="1"/>
+      <dgm:spPr/>
+    </dgm:pt>
+    <dgm:pt modelId="{56226E11-3671-44FB-A26F-89600FCC386C}">
+      <dgm:prSet phldrT="[Text]"/>
+      <dgm:spPr/>
+      <dgm:t>
+        <a:bodyPr/>
+        <a:lstStyle/>
+        <a:p>
+          <a:r>
+            <a:rPr lang="en-US" dirty="0" smtClean="0"/>
+            <a:t>Create Class Kernel</a:t>
+          </a:r>
+          <a:endParaRPr lang="en-US" dirty="0"/>
+        </a:p>
+      </dgm:t>
+    </dgm:pt>
+    <dgm:pt modelId="{795573D7-E53E-4D34-874E-57B6519D492A}" type="parTrans" cxnId="{3D302A04-91DD-4DA4-A1F2-470D82F5389B}">
+      <dgm:prSet/>
+      <dgm:spPr/>
+      <dgm:t>
+        <a:bodyPr/>
+        <a:lstStyle/>
+        <a:p>
+          <a:endParaRPr lang="en-US"/>
+        </a:p>
+      </dgm:t>
+    </dgm:pt>
+    <dgm:pt modelId="{96080D5C-CE6E-40BF-98E0-E0E62F4B5A77}" type="sibTrans" cxnId="{3D302A04-91DD-4DA4-A1F2-470D82F5389B}">
+      <dgm:prSet/>
+      <dgm:spPr/>
+      <dgm:t>
+        <a:bodyPr/>
+        <a:lstStyle/>
+        <a:p>
+          <a:endParaRPr lang="en-US"/>
+        </a:p>
+      </dgm:t>
+    </dgm:pt>
+    <dgm:pt modelId="{4B109039-1D9F-4EAF-8889-CBD200F73D5C}">
+      <dgm:prSet phldrT="[Text]"/>
+      <dgm:spPr/>
+      <dgm:t>
+        <a:bodyPr/>
+        <a:lstStyle/>
+        <a:p>
+          <a:r>
+            <a:rPr lang="en-US" dirty="0" smtClean="0"/>
+            <a:t>Choose your Calculation Function</a:t>
+          </a:r>
+          <a:endParaRPr lang="en-US" dirty="0"/>
+        </a:p>
+      </dgm:t>
+    </dgm:pt>
+    <dgm:pt modelId="{2922AF2E-96E0-461C-B0CC-A6F6FB05B380}" type="parTrans" cxnId="{74ABBADD-52F5-4ED9-A597-940ED773D7EE}">
+      <dgm:prSet/>
+      <dgm:spPr/>
+      <dgm:t>
+        <a:bodyPr/>
+        <a:lstStyle/>
+        <a:p>
+          <a:endParaRPr lang="en-US"/>
+        </a:p>
+      </dgm:t>
+    </dgm:pt>
+    <dgm:pt modelId="{7D2D7B3F-0F7B-4F22-8FEF-D3975CD177D7}" type="sibTrans" cxnId="{74ABBADD-52F5-4ED9-A597-940ED773D7EE}">
+      <dgm:prSet/>
+      <dgm:spPr/>
+      <dgm:t>
+        <a:bodyPr/>
+        <a:lstStyle/>
+        <a:p>
+          <a:endParaRPr lang="en-US"/>
+        </a:p>
+      </dgm:t>
+    </dgm:pt>
+    <dgm:pt modelId="{BEB2909C-0136-45B8-BB85-8F146B0C2B3C}">
+      <dgm:prSet phldrT="[Text]"/>
+      <dgm:spPr/>
+      <dgm:t>
+        <a:bodyPr/>
+        <a:lstStyle/>
+        <a:p>
+          <a:r>
+            <a:rPr lang="en-US" dirty="0" smtClean="0"/>
+            <a:t>Function: </a:t>
+          </a:r>
+          <a:r>
+            <a:rPr lang="en-US" dirty="0" err="1" smtClean="0"/>
+            <a:t>preplists</a:t>
+          </a:r>
+          <a:r>
+            <a:rPr lang="en-US" dirty="0" smtClean="0"/>
+            <a:t> </a:t>
+          </a:r>
+          <a:endParaRPr lang="en-US" dirty="0"/>
+        </a:p>
+      </dgm:t>
+    </dgm:pt>
+    <dgm:pt modelId="{C89990AE-71AA-4D12-8537-608251D213C0}" type="sibTrans" cxnId="{BBF8710F-6944-45DD-83C4-7F5B11AEA42B}">
+      <dgm:prSet/>
+      <dgm:spPr/>
+      <dgm:t>
+        <a:bodyPr/>
+        <a:lstStyle/>
+        <a:p>
+          <a:endParaRPr lang="en-US"/>
+        </a:p>
+      </dgm:t>
+    </dgm:pt>
+    <dgm:pt modelId="{7E314BBE-91CB-42D9-BA1E-BE09DD4C46F6}" type="parTrans" cxnId="{BBF8710F-6944-45DD-83C4-7F5B11AEA42B}">
+      <dgm:prSet/>
+      <dgm:spPr/>
+      <dgm:t>
+        <a:bodyPr/>
+        <a:lstStyle/>
+        <a:p>
+          <a:endParaRPr lang="en-US"/>
+        </a:p>
+      </dgm:t>
+    </dgm:pt>
+    <dgm:pt modelId="{A9906721-2DEB-4AD5-BCD9-53A7B3DF03FE}">
+      <dgm:prSet phldrT="[Text]"/>
+      <dgm:spPr/>
+      <dgm:t>
+        <a:bodyPr/>
+        <a:lstStyle/>
+        <a:p>
+          <a:r>
+            <a:rPr lang="en-US" dirty="0" smtClean="0"/>
+            <a:t>Input Points</a:t>
+          </a:r>
+          <a:endParaRPr lang="en-US" dirty="0"/>
+        </a:p>
+      </dgm:t>
+    </dgm:pt>
+    <dgm:pt modelId="{40BDFBCF-0F9C-4D00-914E-FFFC7A2D956C}" type="parTrans" cxnId="{43B71227-4EB9-4D7B-8AA2-C1749DB5769C}">
+      <dgm:prSet/>
+      <dgm:spPr/>
+      <dgm:t>
+        <a:bodyPr/>
+        <a:lstStyle/>
+        <a:p>
+          <a:endParaRPr lang="en-US"/>
+        </a:p>
+      </dgm:t>
+    </dgm:pt>
+    <dgm:pt modelId="{76BDE5FD-7014-4D8C-B9D9-2A3F5AFDCB1D}" type="sibTrans" cxnId="{43B71227-4EB9-4D7B-8AA2-C1749DB5769C}">
+      <dgm:prSet/>
+      <dgm:spPr/>
+      <dgm:t>
+        <a:bodyPr/>
+        <a:lstStyle/>
+        <a:p>
+          <a:endParaRPr lang="en-US"/>
+        </a:p>
+      </dgm:t>
+    </dgm:pt>
+    <dgm:pt modelId="{9084EBA7-DCEF-437C-8427-94D8F5DBD24D}">
+      <dgm:prSet phldrT="[Text]"/>
+      <dgm:spPr/>
+      <dgm:t>
+        <a:bodyPr/>
+        <a:lstStyle/>
+        <a:p>
+          <a:r>
+            <a:rPr lang="en-US" dirty="0" smtClean="0"/>
+            <a:t>Bandwidth and Resolution</a:t>
+          </a:r>
+          <a:endParaRPr lang="en-US" dirty="0"/>
+        </a:p>
+      </dgm:t>
+    </dgm:pt>
+    <dgm:pt modelId="{6EB11537-17AD-4A8C-AA1D-FEE191855A27}" type="parTrans" cxnId="{A1515F7F-0846-41EA-B9FC-8BCEF35D2705}">
+      <dgm:prSet/>
+      <dgm:spPr/>
+      <dgm:t>
+        <a:bodyPr/>
+        <a:lstStyle/>
+        <a:p>
+          <a:endParaRPr lang="en-US"/>
+        </a:p>
+      </dgm:t>
+    </dgm:pt>
+    <dgm:pt modelId="{9D3DB762-8987-479F-988B-C529B4A490B2}" type="sibTrans" cxnId="{A1515F7F-0846-41EA-B9FC-8BCEF35D2705}">
+      <dgm:prSet/>
+      <dgm:spPr/>
+      <dgm:t>
+        <a:bodyPr/>
+        <a:lstStyle/>
+        <a:p>
+          <a:endParaRPr lang="en-US"/>
+        </a:p>
+      </dgm:t>
+    </dgm:pt>
+    <dgm:pt modelId="{212CCBCD-C531-4060-A166-D68B1E838BEC}">
+      <dgm:prSet phldrT="[Text]"/>
+      <dgm:spPr/>
+      <dgm:t>
+        <a:bodyPr/>
+        <a:lstStyle/>
+        <a:p>
+          <a:r>
+            <a:rPr lang="en-US" dirty="0" smtClean="0"/>
+            <a:t>Format Input Observation Points</a:t>
+          </a:r>
+          <a:endParaRPr lang="en-US" dirty="0"/>
+        </a:p>
+      </dgm:t>
+    </dgm:pt>
+    <dgm:pt modelId="{6209925C-E63E-46D3-8396-CDA33893024A}" type="parTrans" cxnId="{B5C71394-99C6-432A-B8F8-483EDEFEEFBA}">
+      <dgm:prSet/>
+      <dgm:spPr/>
+      <dgm:t>
+        <a:bodyPr/>
+        <a:lstStyle/>
+        <a:p>
+          <a:endParaRPr lang="en-US"/>
+        </a:p>
+      </dgm:t>
+    </dgm:pt>
+    <dgm:pt modelId="{D8550FE2-28A0-486C-A0C6-AA40AF905EA6}" type="sibTrans" cxnId="{B5C71394-99C6-432A-B8F8-483EDEFEEFBA}">
+      <dgm:prSet/>
+      <dgm:spPr/>
+      <dgm:t>
+        <a:bodyPr/>
+        <a:lstStyle/>
+        <a:p>
+          <a:endParaRPr lang="en-US"/>
+        </a:p>
+      </dgm:t>
+    </dgm:pt>
+    <dgm:pt modelId="{C35F3DA3-3BAC-45EB-8C3F-4D518C088E7C}">
+      <dgm:prSet phldrT="[Text]"/>
+      <dgm:spPr/>
+      <dgm:t>
+        <a:bodyPr/>
+        <a:lstStyle/>
+        <a:p>
+          <a:r>
+            <a:rPr lang="en-US" dirty="0" smtClean="0"/>
+            <a:t>Format Output Grid Points</a:t>
+          </a:r>
+          <a:endParaRPr lang="en-US" dirty="0"/>
+        </a:p>
+      </dgm:t>
+    </dgm:pt>
+    <dgm:pt modelId="{F3C4E32F-7235-4933-8EEB-29F052CDBF20}" type="parTrans" cxnId="{728B25D5-82AF-458D-A50F-949E94114580}">
+      <dgm:prSet/>
+      <dgm:spPr/>
+      <dgm:t>
+        <a:bodyPr/>
+        <a:lstStyle/>
+        <a:p>
+          <a:endParaRPr lang="en-US"/>
+        </a:p>
+      </dgm:t>
+    </dgm:pt>
+    <dgm:pt modelId="{58967734-3779-41A2-9198-D6AB8D56D585}" type="sibTrans" cxnId="{728B25D5-82AF-458D-A50F-949E94114580}">
+      <dgm:prSet/>
+      <dgm:spPr/>
+      <dgm:t>
+        <a:bodyPr/>
+        <a:lstStyle/>
+        <a:p>
+          <a:endParaRPr lang="en-US"/>
+        </a:p>
+      </dgm:t>
+    </dgm:pt>
+    <dgm:pt modelId="{1D0601DA-CD1F-4C3F-8D05-62D4DC2C5463}">
+      <dgm:prSet phldrT="[Text]"/>
+      <dgm:spPr/>
+      <dgm:t>
+        <a:bodyPr/>
+        <a:lstStyle/>
+        <a:p>
+          <a:r>
+            <a:rPr lang="en-US" dirty="0" smtClean="0"/>
+            <a:t>Create Kernel Values for Points in Grid</a:t>
+          </a:r>
+          <a:endParaRPr lang="en-US" dirty="0"/>
+        </a:p>
+      </dgm:t>
+    </dgm:pt>
+    <dgm:pt modelId="{FC6A0DED-32D6-4881-915C-1E1E98837D78}" type="parTrans" cxnId="{77737874-C7B6-4F4B-9EA5-827708499255}">
+      <dgm:prSet/>
+      <dgm:spPr/>
+      <dgm:t>
+        <a:bodyPr/>
+        <a:lstStyle/>
+        <a:p>
+          <a:endParaRPr lang="en-US"/>
+        </a:p>
+      </dgm:t>
+    </dgm:pt>
+    <dgm:pt modelId="{FCA1EEBF-B65D-4514-962C-732D2BC37B4D}" type="sibTrans" cxnId="{77737874-C7B6-4F4B-9EA5-827708499255}">
+      <dgm:prSet/>
+      <dgm:spPr/>
+      <dgm:t>
+        <a:bodyPr/>
+        <a:lstStyle/>
+        <a:p>
+          <a:endParaRPr lang="en-US"/>
+        </a:p>
+      </dgm:t>
+    </dgm:pt>
+    <dgm:pt modelId="{9E5A233C-05A2-44BC-9DEE-CDCAF6CA67B5}">
+      <dgm:prSet phldrT="[Text]"/>
+      <dgm:spPr/>
+      <dgm:t>
+        <a:bodyPr/>
+        <a:lstStyle/>
+        <a:p>
+          <a:r>
+            <a:rPr lang="en-US" dirty="0" smtClean="0"/>
+            <a:t>Create Kernel Values for a Specific Point</a:t>
+          </a:r>
+          <a:endParaRPr lang="en-US" dirty="0"/>
+        </a:p>
+      </dgm:t>
+    </dgm:pt>
+    <dgm:pt modelId="{1F3C4DFE-F2DE-4E7A-B42A-ACBAC69997A7}" type="parTrans" cxnId="{E271EBBA-D54C-4A0B-A025-27B441EA20AF}">
+      <dgm:prSet/>
+      <dgm:spPr/>
+      <dgm:t>
+        <a:bodyPr/>
+        <a:lstStyle/>
+        <a:p>
+          <a:endParaRPr lang="en-US"/>
+        </a:p>
+      </dgm:t>
+    </dgm:pt>
+    <dgm:pt modelId="{4B03BCF4-254C-4760-AB73-7B9A326ECAAA}" type="sibTrans" cxnId="{E271EBBA-D54C-4A0B-A025-27B441EA20AF}">
+      <dgm:prSet/>
+      <dgm:spPr/>
+      <dgm:t>
+        <a:bodyPr/>
+        <a:lstStyle/>
+        <a:p>
+          <a:endParaRPr lang="en-US"/>
+        </a:p>
+      </dgm:t>
+    </dgm:pt>
+    <dgm:pt modelId="{AF51DA9E-1ACD-4243-9321-FCC1E833C6CB}" type="pres">
+      <dgm:prSet presAssocID="{DA4AE808-47F9-45CF-9F21-6B10C2DB1150}" presName="Name0" presStyleCnt="0">
+        <dgm:presLayoutVars>
+          <dgm:chPref val="3"/>
+          <dgm:dir/>
+          <dgm:animLvl val="lvl"/>
+          <dgm:resizeHandles/>
+        </dgm:presLayoutVars>
+      </dgm:prSet>
+      <dgm:spPr/>
+    </dgm:pt>
+    <dgm:pt modelId="{E944B56A-0D14-4E8B-B04A-E00674D732C9}" type="pres">
+      <dgm:prSet presAssocID="{56226E11-3671-44FB-A26F-89600FCC386C}" presName="horFlow" presStyleCnt="0"/>
+      <dgm:spPr/>
+    </dgm:pt>
+    <dgm:pt modelId="{43F64BB8-CDCD-4C7D-A3E5-6C118872DC0C}" type="pres">
+      <dgm:prSet presAssocID="{56226E11-3671-44FB-A26F-89600FCC386C}" presName="bigChev" presStyleLbl="node1" presStyleIdx="0" presStyleCnt="3"/>
+      <dgm:spPr/>
+      <dgm:t>
+        <a:bodyPr/>
+        <a:lstStyle/>
+        <a:p>
+          <a:endParaRPr lang="en-US"/>
+        </a:p>
+      </dgm:t>
+    </dgm:pt>
+    <dgm:pt modelId="{9EEACE68-AFC0-436E-BEE5-AF0CA563253D}" type="pres">
+      <dgm:prSet presAssocID="{40BDFBCF-0F9C-4D00-914E-FFFC7A2D956C}" presName="parTrans" presStyleCnt="0"/>
+      <dgm:spPr/>
+    </dgm:pt>
+    <dgm:pt modelId="{DFBB14E4-93AD-455B-902D-2B33BCBEBBB9}" type="pres">
+      <dgm:prSet presAssocID="{A9906721-2DEB-4AD5-BCD9-53A7B3DF03FE}" presName="node" presStyleLbl="alignAccFollowNode1" presStyleIdx="0" presStyleCnt="6">
+        <dgm:presLayoutVars>
+          <dgm:bulletEnabled val="1"/>
+        </dgm:presLayoutVars>
+      </dgm:prSet>
+      <dgm:spPr/>
+      <dgm:t>
+        <a:bodyPr/>
+        <a:lstStyle/>
+        <a:p>
+          <a:endParaRPr lang="en-US"/>
+        </a:p>
+      </dgm:t>
+    </dgm:pt>
+    <dgm:pt modelId="{6F8EB832-99F3-45BB-AB28-60BF03DF4E5C}" type="pres">
+      <dgm:prSet presAssocID="{76BDE5FD-7014-4D8C-B9D9-2A3F5AFDCB1D}" presName="sibTrans" presStyleCnt="0"/>
+      <dgm:spPr/>
+    </dgm:pt>
+    <dgm:pt modelId="{F9885395-D970-4B5A-827F-D9BB143071AA}" type="pres">
+      <dgm:prSet presAssocID="{9084EBA7-DCEF-437C-8427-94D8F5DBD24D}" presName="node" presStyleLbl="alignAccFollowNode1" presStyleIdx="1" presStyleCnt="6">
+        <dgm:presLayoutVars>
+          <dgm:bulletEnabled val="1"/>
+        </dgm:presLayoutVars>
+      </dgm:prSet>
+      <dgm:spPr/>
+    </dgm:pt>
+    <dgm:pt modelId="{511D2DFA-C2DB-48CC-A349-61C4BBDA6E4D}" type="pres">
+      <dgm:prSet presAssocID="{56226E11-3671-44FB-A26F-89600FCC386C}" presName="vSp" presStyleCnt="0"/>
+      <dgm:spPr/>
+    </dgm:pt>
+    <dgm:pt modelId="{57ECCEED-1401-47FE-BD13-6D2E91B8EBE9}" type="pres">
+      <dgm:prSet presAssocID="{BEB2909C-0136-45B8-BB85-8F146B0C2B3C}" presName="horFlow" presStyleCnt="0"/>
+      <dgm:spPr/>
+    </dgm:pt>
+    <dgm:pt modelId="{80B902D5-2C5A-4BD3-B4E6-E3D11D81816E}" type="pres">
+      <dgm:prSet presAssocID="{BEB2909C-0136-45B8-BB85-8F146B0C2B3C}" presName="bigChev" presStyleLbl="node1" presStyleIdx="1" presStyleCnt="3"/>
+      <dgm:spPr/>
+      <dgm:t>
+        <a:bodyPr/>
+        <a:lstStyle/>
+        <a:p>
+          <a:endParaRPr lang="en-US"/>
+        </a:p>
+      </dgm:t>
+    </dgm:pt>
+    <dgm:pt modelId="{FDD24FD6-34E3-4E91-900A-5ACD8185ECEB}" type="pres">
+      <dgm:prSet presAssocID="{6209925C-E63E-46D3-8396-CDA33893024A}" presName="parTrans" presStyleCnt="0"/>
+      <dgm:spPr/>
+    </dgm:pt>
+    <dgm:pt modelId="{285528A5-2440-43E2-B733-B246638E1830}" type="pres">
+      <dgm:prSet presAssocID="{212CCBCD-C531-4060-A166-D68B1E838BEC}" presName="node" presStyleLbl="alignAccFollowNode1" presStyleIdx="2" presStyleCnt="6">
+        <dgm:presLayoutVars>
+          <dgm:bulletEnabled val="1"/>
+        </dgm:presLayoutVars>
+      </dgm:prSet>
+      <dgm:spPr/>
+      <dgm:t>
+        <a:bodyPr/>
+        <a:lstStyle/>
+        <a:p>
+          <a:endParaRPr lang="en-US"/>
+        </a:p>
+      </dgm:t>
+    </dgm:pt>
+    <dgm:pt modelId="{1C04AA78-3509-4678-A632-F833322F2D9A}" type="pres">
+      <dgm:prSet presAssocID="{D8550FE2-28A0-486C-A0C6-AA40AF905EA6}" presName="sibTrans" presStyleCnt="0"/>
+      <dgm:spPr/>
+    </dgm:pt>
+    <dgm:pt modelId="{2C405A29-78F0-4019-A7CF-C544353F96FB}" type="pres">
+      <dgm:prSet presAssocID="{C35F3DA3-3BAC-45EB-8C3F-4D518C088E7C}" presName="node" presStyleLbl="alignAccFollowNode1" presStyleIdx="3" presStyleCnt="6">
+        <dgm:presLayoutVars>
+          <dgm:bulletEnabled val="1"/>
+        </dgm:presLayoutVars>
+      </dgm:prSet>
+      <dgm:spPr/>
+    </dgm:pt>
+    <dgm:pt modelId="{73ED0F75-97C3-4531-9657-17BBE3FA6E10}" type="pres">
+      <dgm:prSet presAssocID="{BEB2909C-0136-45B8-BB85-8F146B0C2B3C}" presName="vSp" presStyleCnt="0"/>
+      <dgm:spPr/>
+    </dgm:pt>
+    <dgm:pt modelId="{C482E688-CD79-44A5-9B93-B3AAD6859ADC}" type="pres">
+      <dgm:prSet presAssocID="{4B109039-1D9F-4EAF-8889-CBD200F73D5C}" presName="horFlow" presStyleCnt="0"/>
+      <dgm:spPr/>
+    </dgm:pt>
+    <dgm:pt modelId="{92B6493B-09D3-4FCD-8217-19F1AAEA0D5C}" type="pres">
+      <dgm:prSet presAssocID="{4B109039-1D9F-4EAF-8889-CBD200F73D5C}" presName="bigChev" presStyleLbl="node1" presStyleIdx="2" presStyleCnt="3"/>
+      <dgm:spPr/>
+      <dgm:t>
+        <a:bodyPr/>
+        <a:lstStyle/>
+        <a:p>
+          <a:endParaRPr lang="en-US"/>
+        </a:p>
+      </dgm:t>
+    </dgm:pt>
+    <dgm:pt modelId="{0F568012-81E5-44B6-A9D9-0DEC1B931256}" type="pres">
+      <dgm:prSet presAssocID="{FC6A0DED-32D6-4881-915C-1E1E98837D78}" presName="parTrans" presStyleCnt="0"/>
+      <dgm:spPr/>
+    </dgm:pt>
+    <dgm:pt modelId="{9A3D3EE7-2940-420B-8AC2-69E51CE2CC2C}" type="pres">
+      <dgm:prSet presAssocID="{1D0601DA-CD1F-4C3F-8D05-62D4DC2C5463}" presName="node" presStyleLbl="alignAccFollowNode1" presStyleIdx="4" presStyleCnt="6">
+        <dgm:presLayoutVars>
+          <dgm:bulletEnabled val="1"/>
+        </dgm:presLayoutVars>
+      </dgm:prSet>
+      <dgm:spPr/>
+      <dgm:t>
+        <a:bodyPr/>
+        <a:lstStyle/>
+        <a:p>
+          <a:endParaRPr lang="en-US"/>
+        </a:p>
+      </dgm:t>
+    </dgm:pt>
+    <dgm:pt modelId="{EC8C3758-B366-4C30-9A4B-8976CDEEA375}" type="pres">
+      <dgm:prSet presAssocID="{FCA1EEBF-B65D-4514-962C-732D2BC37B4D}" presName="sibTrans" presStyleCnt="0"/>
+      <dgm:spPr/>
+    </dgm:pt>
+    <dgm:pt modelId="{75580EDE-DBA1-4845-A55E-53496278A49C}" type="pres">
+      <dgm:prSet presAssocID="{9E5A233C-05A2-44BC-9DEE-CDCAF6CA67B5}" presName="node" presStyleLbl="alignAccFollowNode1" presStyleIdx="5" presStyleCnt="6">
+        <dgm:presLayoutVars>
+          <dgm:bulletEnabled val="1"/>
+        </dgm:presLayoutVars>
+      </dgm:prSet>
+      <dgm:spPr/>
+      <dgm:t>
+        <a:bodyPr/>
+        <a:lstStyle/>
+        <a:p>
+          <a:endParaRPr lang="en-US"/>
+        </a:p>
+      </dgm:t>
+    </dgm:pt>
+  </dgm:ptLst>
+  <dgm:cxnLst>
+    <dgm:cxn modelId="{3AD52169-BD5B-4E91-B911-FDE1556D585C}" type="presOf" srcId="{C35F3DA3-3BAC-45EB-8C3F-4D518C088E7C}" destId="{2C405A29-78F0-4019-A7CF-C544353F96FB}" srcOrd="0" destOrd="0" presId="urn:microsoft.com/office/officeart/2005/8/layout/lProcess3"/>
+    <dgm:cxn modelId="{A1515F7F-0846-41EA-B9FC-8BCEF35D2705}" srcId="{56226E11-3671-44FB-A26F-89600FCC386C}" destId="{9084EBA7-DCEF-437C-8427-94D8F5DBD24D}" srcOrd="1" destOrd="0" parTransId="{6EB11537-17AD-4A8C-AA1D-FEE191855A27}" sibTransId="{9D3DB762-8987-479F-988B-C529B4A490B2}"/>
+    <dgm:cxn modelId="{728B25D5-82AF-458D-A50F-949E94114580}" srcId="{BEB2909C-0136-45B8-BB85-8F146B0C2B3C}" destId="{C35F3DA3-3BAC-45EB-8C3F-4D518C088E7C}" srcOrd="1" destOrd="0" parTransId="{F3C4E32F-7235-4933-8EEB-29F052CDBF20}" sibTransId="{58967734-3779-41A2-9198-D6AB8D56D585}"/>
+    <dgm:cxn modelId="{77737874-C7B6-4F4B-9EA5-827708499255}" srcId="{4B109039-1D9F-4EAF-8889-CBD200F73D5C}" destId="{1D0601DA-CD1F-4C3F-8D05-62D4DC2C5463}" srcOrd="0" destOrd="0" parTransId="{FC6A0DED-32D6-4881-915C-1E1E98837D78}" sibTransId="{FCA1EEBF-B65D-4514-962C-732D2BC37B4D}"/>
+    <dgm:cxn modelId="{74ABBADD-52F5-4ED9-A597-940ED773D7EE}" srcId="{DA4AE808-47F9-45CF-9F21-6B10C2DB1150}" destId="{4B109039-1D9F-4EAF-8889-CBD200F73D5C}" srcOrd="2" destOrd="0" parTransId="{2922AF2E-96E0-461C-B0CC-A6F6FB05B380}" sibTransId="{7D2D7B3F-0F7B-4F22-8FEF-D3975CD177D7}"/>
+    <dgm:cxn modelId="{6526BF03-CF04-4F06-BA50-B10BBF7096CE}" type="presOf" srcId="{1D0601DA-CD1F-4C3F-8D05-62D4DC2C5463}" destId="{9A3D3EE7-2940-420B-8AC2-69E51CE2CC2C}" srcOrd="0" destOrd="0" presId="urn:microsoft.com/office/officeart/2005/8/layout/lProcess3"/>
+    <dgm:cxn modelId="{88DE744F-D2CD-408E-8BF8-472CD9629B44}" type="presOf" srcId="{56226E11-3671-44FB-A26F-89600FCC386C}" destId="{43F64BB8-CDCD-4C7D-A3E5-6C118872DC0C}" srcOrd="0" destOrd="0" presId="urn:microsoft.com/office/officeart/2005/8/layout/lProcess3"/>
+    <dgm:cxn modelId="{991F79B7-2A45-4E22-850A-2D8EA3EF41AF}" type="presOf" srcId="{BEB2909C-0136-45B8-BB85-8F146B0C2B3C}" destId="{80B902D5-2C5A-4BD3-B4E6-E3D11D81816E}" srcOrd="0" destOrd="0" presId="urn:microsoft.com/office/officeart/2005/8/layout/lProcess3"/>
+    <dgm:cxn modelId="{525EF9DD-5261-4920-9C3C-8D53D494AECB}" type="presOf" srcId="{9084EBA7-DCEF-437C-8427-94D8F5DBD24D}" destId="{F9885395-D970-4B5A-827F-D9BB143071AA}" srcOrd="0" destOrd="0" presId="urn:microsoft.com/office/officeart/2005/8/layout/lProcess3"/>
+    <dgm:cxn modelId="{7C1B8139-1C06-4BA6-81A0-8CD1C0F51C12}" type="presOf" srcId="{A9906721-2DEB-4AD5-BCD9-53A7B3DF03FE}" destId="{DFBB14E4-93AD-455B-902D-2B33BCBEBBB9}" srcOrd="0" destOrd="0" presId="urn:microsoft.com/office/officeart/2005/8/layout/lProcess3"/>
+    <dgm:cxn modelId="{1F198EF2-386E-401E-B902-031940FFEF5C}" type="presOf" srcId="{9E5A233C-05A2-44BC-9DEE-CDCAF6CA67B5}" destId="{75580EDE-DBA1-4845-A55E-53496278A49C}" srcOrd="0" destOrd="0" presId="urn:microsoft.com/office/officeart/2005/8/layout/lProcess3"/>
+    <dgm:cxn modelId="{B5C71394-99C6-432A-B8F8-483EDEFEEFBA}" srcId="{BEB2909C-0136-45B8-BB85-8F146B0C2B3C}" destId="{212CCBCD-C531-4060-A166-D68B1E838BEC}" srcOrd="0" destOrd="0" parTransId="{6209925C-E63E-46D3-8396-CDA33893024A}" sibTransId="{D8550FE2-28A0-486C-A0C6-AA40AF905EA6}"/>
+    <dgm:cxn modelId="{73D7DDD7-D8EC-487A-99E2-BC1776FFA0DA}" type="presOf" srcId="{DA4AE808-47F9-45CF-9F21-6B10C2DB1150}" destId="{AF51DA9E-1ACD-4243-9321-FCC1E833C6CB}" srcOrd="0" destOrd="0" presId="urn:microsoft.com/office/officeart/2005/8/layout/lProcess3"/>
+    <dgm:cxn modelId="{5323C178-BABB-4533-ACE2-7ED894CEFC54}" type="presOf" srcId="{212CCBCD-C531-4060-A166-D68B1E838BEC}" destId="{285528A5-2440-43E2-B733-B246638E1830}" srcOrd="0" destOrd="0" presId="urn:microsoft.com/office/officeart/2005/8/layout/lProcess3"/>
+    <dgm:cxn modelId="{BBF8710F-6944-45DD-83C4-7F5B11AEA42B}" srcId="{DA4AE808-47F9-45CF-9F21-6B10C2DB1150}" destId="{BEB2909C-0136-45B8-BB85-8F146B0C2B3C}" srcOrd="1" destOrd="0" parTransId="{7E314BBE-91CB-42D9-BA1E-BE09DD4C46F6}" sibTransId="{C89990AE-71AA-4D12-8537-608251D213C0}"/>
+    <dgm:cxn modelId="{43B71227-4EB9-4D7B-8AA2-C1749DB5769C}" srcId="{56226E11-3671-44FB-A26F-89600FCC386C}" destId="{A9906721-2DEB-4AD5-BCD9-53A7B3DF03FE}" srcOrd="0" destOrd="0" parTransId="{40BDFBCF-0F9C-4D00-914E-FFFC7A2D956C}" sibTransId="{76BDE5FD-7014-4D8C-B9D9-2A3F5AFDCB1D}"/>
+    <dgm:cxn modelId="{3D302A04-91DD-4DA4-A1F2-470D82F5389B}" srcId="{DA4AE808-47F9-45CF-9F21-6B10C2DB1150}" destId="{56226E11-3671-44FB-A26F-89600FCC386C}" srcOrd="0" destOrd="0" parTransId="{795573D7-E53E-4D34-874E-57B6519D492A}" sibTransId="{96080D5C-CE6E-40BF-98E0-E0E62F4B5A77}"/>
+    <dgm:cxn modelId="{231EEF03-7BB2-4E25-B88F-E0EAF1679017}" type="presOf" srcId="{4B109039-1D9F-4EAF-8889-CBD200F73D5C}" destId="{92B6493B-09D3-4FCD-8217-19F1AAEA0D5C}" srcOrd="0" destOrd="0" presId="urn:microsoft.com/office/officeart/2005/8/layout/lProcess3"/>
+    <dgm:cxn modelId="{E271EBBA-D54C-4A0B-A025-27B441EA20AF}" srcId="{4B109039-1D9F-4EAF-8889-CBD200F73D5C}" destId="{9E5A233C-05A2-44BC-9DEE-CDCAF6CA67B5}" srcOrd="1" destOrd="0" parTransId="{1F3C4DFE-F2DE-4E7A-B42A-ACBAC69997A7}" sibTransId="{4B03BCF4-254C-4760-AB73-7B9A326ECAAA}"/>
+    <dgm:cxn modelId="{46B854B7-DFF2-4B70-B742-9D0F19FA5327}" type="presParOf" srcId="{AF51DA9E-1ACD-4243-9321-FCC1E833C6CB}" destId="{E944B56A-0D14-4E8B-B04A-E00674D732C9}" srcOrd="0" destOrd="0" presId="urn:microsoft.com/office/officeart/2005/8/layout/lProcess3"/>
+    <dgm:cxn modelId="{E26216E2-1FAA-4193-9067-C0BB1D66014C}" type="presParOf" srcId="{E944B56A-0D14-4E8B-B04A-E00674D732C9}" destId="{43F64BB8-CDCD-4C7D-A3E5-6C118872DC0C}" srcOrd="0" destOrd="0" presId="urn:microsoft.com/office/officeart/2005/8/layout/lProcess3"/>
+    <dgm:cxn modelId="{D3774503-A37A-4FD6-9E15-89BA07D39D97}" type="presParOf" srcId="{E944B56A-0D14-4E8B-B04A-E00674D732C9}" destId="{9EEACE68-AFC0-436E-BEE5-AF0CA563253D}" srcOrd="1" destOrd="0" presId="urn:microsoft.com/office/officeart/2005/8/layout/lProcess3"/>
+    <dgm:cxn modelId="{60A1001A-A11A-40C7-A092-741C61034897}" type="presParOf" srcId="{E944B56A-0D14-4E8B-B04A-E00674D732C9}" destId="{DFBB14E4-93AD-455B-902D-2B33BCBEBBB9}" srcOrd="2" destOrd="0" presId="urn:microsoft.com/office/officeart/2005/8/layout/lProcess3"/>
+    <dgm:cxn modelId="{57F4CE5D-CA8C-45B7-AC30-BF3BBBF2FF18}" type="presParOf" srcId="{E944B56A-0D14-4E8B-B04A-E00674D732C9}" destId="{6F8EB832-99F3-45BB-AB28-60BF03DF4E5C}" srcOrd="3" destOrd="0" presId="urn:microsoft.com/office/officeart/2005/8/layout/lProcess3"/>
+    <dgm:cxn modelId="{C9A323A1-8DA2-4C1F-95DA-C24C66322F2D}" type="presParOf" srcId="{E944B56A-0D14-4E8B-B04A-E00674D732C9}" destId="{F9885395-D970-4B5A-827F-D9BB143071AA}" srcOrd="4" destOrd="0" presId="urn:microsoft.com/office/officeart/2005/8/layout/lProcess3"/>
+    <dgm:cxn modelId="{FA890953-FD66-4470-9534-A86D05CC2611}" type="presParOf" srcId="{AF51DA9E-1ACD-4243-9321-FCC1E833C6CB}" destId="{511D2DFA-C2DB-48CC-A349-61C4BBDA6E4D}" srcOrd="1" destOrd="0" presId="urn:microsoft.com/office/officeart/2005/8/layout/lProcess3"/>
+    <dgm:cxn modelId="{35532140-C946-47CE-8E2E-38070731FAA3}" type="presParOf" srcId="{AF51DA9E-1ACD-4243-9321-FCC1E833C6CB}" destId="{57ECCEED-1401-47FE-BD13-6D2E91B8EBE9}" srcOrd="2" destOrd="0" presId="urn:microsoft.com/office/officeart/2005/8/layout/lProcess3"/>
+    <dgm:cxn modelId="{34BBCB76-8741-4978-A4B7-8F72EAA5FAA6}" type="presParOf" srcId="{57ECCEED-1401-47FE-BD13-6D2E91B8EBE9}" destId="{80B902D5-2C5A-4BD3-B4E6-E3D11D81816E}" srcOrd="0" destOrd="0" presId="urn:microsoft.com/office/officeart/2005/8/layout/lProcess3"/>
+    <dgm:cxn modelId="{26933FF0-10DC-4890-A511-D44E5EA0C5CB}" type="presParOf" srcId="{57ECCEED-1401-47FE-BD13-6D2E91B8EBE9}" destId="{FDD24FD6-34E3-4E91-900A-5ACD8185ECEB}" srcOrd="1" destOrd="0" presId="urn:microsoft.com/office/officeart/2005/8/layout/lProcess3"/>
+    <dgm:cxn modelId="{015821A9-4077-4683-AEDF-85EA961785CE}" type="presParOf" srcId="{57ECCEED-1401-47FE-BD13-6D2E91B8EBE9}" destId="{285528A5-2440-43E2-B733-B246638E1830}" srcOrd="2" destOrd="0" presId="urn:microsoft.com/office/officeart/2005/8/layout/lProcess3"/>
+    <dgm:cxn modelId="{284BE71F-0242-482F-9CE1-F7084E62CADB}" type="presParOf" srcId="{57ECCEED-1401-47FE-BD13-6D2E91B8EBE9}" destId="{1C04AA78-3509-4678-A632-F833322F2D9A}" srcOrd="3" destOrd="0" presId="urn:microsoft.com/office/officeart/2005/8/layout/lProcess3"/>
+    <dgm:cxn modelId="{D928FD4D-8306-498D-AA5A-051781D52134}" type="presParOf" srcId="{57ECCEED-1401-47FE-BD13-6D2E91B8EBE9}" destId="{2C405A29-78F0-4019-A7CF-C544353F96FB}" srcOrd="4" destOrd="0" presId="urn:microsoft.com/office/officeart/2005/8/layout/lProcess3"/>
+    <dgm:cxn modelId="{5B413C10-6390-454E-8E02-2A5D5D4D5213}" type="presParOf" srcId="{AF51DA9E-1ACD-4243-9321-FCC1E833C6CB}" destId="{73ED0F75-97C3-4531-9657-17BBE3FA6E10}" srcOrd="3" destOrd="0" presId="urn:microsoft.com/office/officeart/2005/8/layout/lProcess3"/>
+    <dgm:cxn modelId="{D4013640-C5D2-4095-9A14-AAF530EF08E2}" type="presParOf" srcId="{AF51DA9E-1ACD-4243-9321-FCC1E833C6CB}" destId="{C482E688-CD79-44A5-9B93-B3AAD6859ADC}" srcOrd="4" destOrd="0" presId="urn:microsoft.com/office/officeart/2005/8/layout/lProcess3"/>
+    <dgm:cxn modelId="{EE7F9978-82FD-4939-B006-CC3E9C6F76DA}" type="presParOf" srcId="{C482E688-CD79-44A5-9B93-B3AAD6859ADC}" destId="{92B6493B-09D3-4FCD-8217-19F1AAEA0D5C}" srcOrd="0" destOrd="0" presId="urn:microsoft.com/office/officeart/2005/8/layout/lProcess3"/>
+    <dgm:cxn modelId="{F58052C1-34BD-4CB0-B941-8E9EF5708AA2}" type="presParOf" srcId="{C482E688-CD79-44A5-9B93-B3AAD6859ADC}" destId="{0F568012-81E5-44B6-A9D9-0DEC1B931256}" srcOrd="1" destOrd="0" presId="urn:microsoft.com/office/officeart/2005/8/layout/lProcess3"/>
+    <dgm:cxn modelId="{C5AEA4B7-D683-4A98-B32F-0784C84F3E40}" type="presParOf" srcId="{C482E688-CD79-44A5-9B93-B3AAD6859ADC}" destId="{9A3D3EE7-2940-420B-8AC2-69E51CE2CC2C}" srcOrd="2" destOrd="0" presId="urn:microsoft.com/office/officeart/2005/8/layout/lProcess3"/>
+    <dgm:cxn modelId="{76EB3DCA-0B9C-4CAA-B18A-B4F932B02867}" type="presParOf" srcId="{C482E688-CD79-44A5-9B93-B3AAD6859ADC}" destId="{EC8C3758-B366-4C30-9A4B-8976CDEEA375}" srcOrd="3" destOrd="0" presId="urn:microsoft.com/office/officeart/2005/8/layout/lProcess3"/>
+    <dgm:cxn modelId="{4E734CB8-BC0F-407C-A0B5-989437000C7D}" type="presParOf" srcId="{C482E688-CD79-44A5-9B93-B3AAD6859ADC}" destId="{75580EDE-DBA1-4845-A55E-53496278A49C}" srcOrd="4" destOrd="0" presId="urn:microsoft.com/office/officeart/2005/8/layout/lProcess3"/>
+  </dgm:cxnLst>
+  <dgm:bg/>
+  <dgm:whole/>
+  <dgm:extLst>
+    <a:ext uri="http://schemas.microsoft.com/office/drawing/2008/diagram">
+      <dsp:dataModelExt xmlns:dsp="http://schemas.microsoft.com/office/drawing/2008/diagram" xmlns="" relId="rId6" minVer="http://schemas.openxmlformats.org/drawingml/2006/diagram"/>
+    </a:ext>
+  </dgm:extLst>
+</dgm:dataModel>
+</file>
+
+<file path=ppt/diagrams/drawing1.xml><?xml version="1.0" encoding="utf-8"?>
+<dsp:drawing xmlns:dgm="http://schemas.openxmlformats.org/drawingml/2006/diagram" xmlns:a="http://schemas.openxmlformats.org/drawingml/2006/main" xmlns:dsp="http://schemas.microsoft.com/office/drawing/2008/diagram">
+  <dsp:spTree>
+    <dsp:nvGrpSpPr>
+      <dsp:cNvPr id="0" name=""/>
+      <dsp:cNvGrpSpPr/>
+    </dsp:nvGrpSpPr>
+    <dsp:grpSpPr/>
+    <dsp:sp modelId="{43F64BB8-CDCD-4C7D-A3E5-6C118872DC0C}">
+      <dsp:nvSpPr>
+        <dsp:cNvPr id="0" name=""/>
+        <dsp:cNvSpPr/>
+      </dsp:nvSpPr>
+      <dsp:spPr>
+        <a:xfrm>
+          <a:off x="47383" y="552"/>
+          <a:ext cx="3483913" cy="1393565"/>
+        </a:xfrm>
+        <a:prstGeom prst="chevron">
+          <a:avLst/>
+        </a:prstGeom>
+        <a:solidFill>
+          <a:schemeClr val="dk2">
+            <a:hueOff val="0"/>
+            <a:satOff val="0"/>
+            <a:lumOff val="0"/>
+            <a:alphaOff val="0"/>
+          </a:schemeClr>
+        </a:solidFill>
+        <a:ln w="11429" cap="flat" cmpd="sng" algn="ctr">
+          <a:solidFill>
+            <a:schemeClr val="lt2">
+              <a:hueOff val="0"/>
+              <a:satOff val="0"/>
+              <a:lumOff val="0"/>
+              <a:alphaOff val="0"/>
+            </a:schemeClr>
+          </a:solidFill>
+          <a:prstDash val="sysDash"/>
+        </a:ln>
+        <a:effectLst/>
+      </dsp:spPr>
+      <dsp:style>
+        <a:lnRef idx="2">
+          <a:scrgbClr r="0" g="0" b="0"/>
+        </a:lnRef>
+        <a:fillRef idx="1">
+          <a:scrgbClr r="0" g="0" b="0"/>
+        </a:fillRef>
+        <a:effectRef idx="0">
+          <a:scrgbClr r="0" g="0" b="0"/>
+        </a:effectRef>
+        <a:fontRef idx="minor">
+          <a:schemeClr val="lt1"/>
+        </a:fontRef>
+      </dsp:style>
+      <dsp:txBody>
+        <a:bodyPr spcFirstLastPara="0" vert="horz" wrap="square" lIns="36830" tIns="18415" rIns="0" bIns="18415" numCol="1" spcCol="1270" anchor="ctr" anchorCtr="0">
+          <a:noAutofit/>
+        </a:bodyPr>
+        <a:lstStyle/>
+        <a:p>
+          <a:pPr lvl="0" algn="ctr" defTabSz="1289050">
+            <a:lnSpc>
+              <a:spcPct val="90000"/>
+            </a:lnSpc>
+            <a:spcBef>
+              <a:spcPct val="0"/>
+            </a:spcBef>
+            <a:spcAft>
+              <a:spcPct val="35000"/>
+            </a:spcAft>
+          </a:pPr>
+          <a:r>
+            <a:rPr lang="en-US" sz="2900" kern="1200" dirty="0" smtClean="0"/>
+            <a:t>Create Class Kernel</a:t>
+          </a:r>
+          <a:endParaRPr lang="en-US" sz="2900" kern="1200" dirty="0"/>
+        </a:p>
+      </dsp:txBody>
+      <dsp:txXfrm>
+        <a:off x="47383" y="552"/>
+        <a:ext cx="3483913" cy="1393565"/>
+      </dsp:txXfrm>
+    </dsp:sp>
+    <dsp:sp modelId="{DFBB14E4-93AD-455B-902D-2B33BCBEBBB9}">
+      <dsp:nvSpPr>
+        <dsp:cNvPr id="0" name=""/>
+        <dsp:cNvSpPr/>
+      </dsp:nvSpPr>
+      <dsp:spPr>
+        <a:xfrm>
+          <a:off x="3078388" y="119005"/>
+          <a:ext cx="2891648" cy="1156659"/>
+        </a:xfrm>
+        <a:prstGeom prst="chevron">
+          <a:avLst/>
+        </a:prstGeom>
+        <a:solidFill>
+          <a:schemeClr val="dk2">
+            <a:alpha val="90000"/>
+            <a:tint val="40000"/>
+            <a:hueOff val="0"/>
+            <a:satOff val="0"/>
+            <a:lumOff val="0"/>
+            <a:alphaOff val="0"/>
+          </a:schemeClr>
+        </a:solidFill>
+        <a:ln w="11429" cap="flat" cmpd="sng" algn="ctr">
+          <a:solidFill>
+            <a:schemeClr val="dk2">
+              <a:alpha val="90000"/>
+              <a:tint val="40000"/>
+              <a:hueOff val="0"/>
+              <a:satOff val="0"/>
+              <a:lumOff val="0"/>
+              <a:alphaOff val="0"/>
+            </a:schemeClr>
+          </a:solidFill>
+          <a:prstDash val="sysDash"/>
+        </a:ln>
+        <a:effectLst/>
+      </dsp:spPr>
+      <dsp:style>
+        <a:lnRef idx="2">
+          <a:scrgbClr r="0" g="0" b="0"/>
+        </a:lnRef>
+        <a:fillRef idx="1">
+          <a:scrgbClr r="0" g="0" b="0"/>
+        </a:fillRef>
+        <a:effectRef idx="0">
+          <a:scrgbClr r="0" g="0" b="0"/>
+        </a:effectRef>
+        <a:fontRef idx="minor"/>
+      </dsp:style>
+      <dsp:txBody>
+        <a:bodyPr spcFirstLastPara="0" vert="horz" wrap="square" lIns="26670" tIns="13335" rIns="0" bIns="13335" numCol="1" spcCol="1270" anchor="ctr" anchorCtr="0">
+          <a:noAutofit/>
+        </a:bodyPr>
+        <a:lstStyle/>
+        <a:p>
+          <a:pPr lvl="0" algn="ctr" defTabSz="933450">
+            <a:lnSpc>
+              <a:spcPct val="90000"/>
+            </a:lnSpc>
+            <a:spcBef>
+              <a:spcPct val="0"/>
+            </a:spcBef>
+            <a:spcAft>
+              <a:spcPct val="35000"/>
+            </a:spcAft>
+          </a:pPr>
+          <a:r>
+            <a:rPr lang="en-US" sz="2100" kern="1200" dirty="0" smtClean="0"/>
+            <a:t>Input Points</a:t>
+          </a:r>
+          <a:endParaRPr lang="en-US" sz="2100" kern="1200" dirty="0"/>
+        </a:p>
+      </dsp:txBody>
+      <dsp:txXfrm>
+        <a:off x="3078388" y="119005"/>
+        <a:ext cx="2891648" cy="1156659"/>
+      </dsp:txXfrm>
+    </dsp:sp>
+    <dsp:sp modelId="{F9885395-D970-4B5A-827F-D9BB143071AA}">
+      <dsp:nvSpPr>
+        <dsp:cNvPr id="0" name=""/>
+        <dsp:cNvSpPr/>
+      </dsp:nvSpPr>
+      <dsp:spPr>
+        <a:xfrm>
+          <a:off x="5565206" y="119005"/>
+          <a:ext cx="2891648" cy="1156659"/>
+        </a:xfrm>
+        <a:prstGeom prst="chevron">
+          <a:avLst/>
+        </a:prstGeom>
+        <a:solidFill>
+          <a:schemeClr val="dk2">
+            <a:alpha val="90000"/>
+            <a:tint val="40000"/>
+            <a:hueOff val="0"/>
+            <a:satOff val="0"/>
+            <a:lumOff val="0"/>
+            <a:alphaOff val="0"/>
+          </a:schemeClr>
+        </a:solidFill>
+        <a:ln w="11429" cap="flat" cmpd="sng" algn="ctr">
+          <a:solidFill>
+            <a:schemeClr val="dk2">
+              <a:alpha val="90000"/>
+              <a:tint val="40000"/>
+              <a:hueOff val="0"/>
+              <a:satOff val="0"/>
+              <a:lumOff val="0"/>
+              <a:alphaOff val="0"/>
+            </a:schemeClr>
+          </a:solidFill>
+          <a:prstDash val="sysDash"/>
+        </a:ln>
+        <a:effectLst/>
+      </dsp:spPr>
+      <dsp:style>
+        <a:lnRef idx="2">
+          <a:scrgbClr r="0" g="0" b="0"/>
+        </a:lnRef>
+        <a:fillRef idx="1">
+          <a:scrgbClr r="0" g="0" b="0"/>
+        </a:fillRef>
+        <a:effectRef idx="0">
+          <a:scrgbClr r="0" g="0" b="0"/>
+        </a:effectRef>
+        <a:fontRef idx="minor"/>
+      </dsp:style>
+      <dsp:txBody>
+        <a:bodyPr spcFirstLastPara="0" vert="horz" wrap="square" lIns="26670" tIns="13335" rIns="0" bIns="13335" numCol="1" spcCol="1270" anchor="ctr" anchorCtr="0">
+          <a:noAutofit/>
+        </a:bodyPr>
+        <a:lstStyle/>
+        <a:p>
+          <a:pPr lvl="0" algn="ctr" defTabSz="933450">
+            <a:lnSpc>
+              <a:spcPct val="90000"/>
+            </a:lnSpc>
+            <a:spcBef>
+              <a:spcPct val="0"/>
+            </a:spcBef>
+            <a:spcAft>
+              <a:spcPct val="35000"/>
+            </a:spcAft>
+          </a:pPr>
+          <a:r>
+            <a:rPr lang="en-US" sz="2100" kern="1200" dirty="0" smtClean="0"/>
+            <a:t>Bandwidth and Resolution</a:t>
+          </a:r>
+          <a:endParaRPr lang="en-US" sz="2100" kern="1200" dirty="0"/>
+        </a:p>
+      </dsp:txBody>
+      <dsp:txXfrm>
+        <a:off x="5565206" y="119005"/>
+        <a:ext cx="2891648" cy="1156659"/>
+      </dsp:txXfrm>
+    </dsp:sp>
+    <dsp:sp modelId="{80B902D5-2C5A-4BD3-B4E6-E3D11D81816E}">
+      <dsp:nvSpPr>
+        <dsp:cNvPr id="0" name=""/>
+        <dsp:cNvSpPr/>
+      </dsp:nvSpPr>
+      <dsp:spPr>
+        <a:xfrm>
+          <a:off x="47383" y="1589217"/>
+          <a:ext cx="3483913" cy="1393565"/>
+        </a:xfrm>
+        <a:prstGeom prst="chevron">
+          <a:avLst/>
+        </a:prstGeom>
+        <a:solidFill>
+          <a:schemeClr val="dk2">
+            <a:hueOff val="0"/>
+            <a:satOff val="0"/>
+            <a:lumOff val="0"/>
+            <a:alphaOff val="0"/>
+          </a:schemeClr>
+        </a:solidFill>
+        <a:ln w="11429" cap="flat" cmpd="sng" algn="ctr">
+          <a:solidFill>
+            <a:schemeClr val="lt2">
+              <a:hueOff val="0"/>
+              <a:satOff val="0"/>
+              <a:lumOff val="0"/>
+              <a:alphaOff val="0"/>
+            </a:schemeClr>
+          </a:solidFill>
+          <a:prstDash val="sysDash"/>
+        </a:ln>
+        <a:effectLst/>
+      </dsp:spPr>
+      <dsp:style>
+        <a:lnRef idx="2">
+          <a:scrgbClr r="0" g="0" b="0"/>
+        </a:lnRef>
+        <a:fillRef idx="1">
+          <a:scrgbClr r="0" g="0" b="0"/>
+        </a:fillRef>
+        <a:effectRef idx="0">
+          <a:scrgbClr r="0" g="0" b="0"/>
+        </a:effectRef>
+        <a:fontRef idx="minor">
+          <a:schemeClr val="lt1"/>
+        </a:fontRef>
+      </dsp:style>
+      <dsp:txBody>
+        <a:bodyPr spcFirstLastPara="0" vert="horz" wrap="square" lIns="36830" tIns="18415" rIns="0" bIns="18415" numCol="1" spcCol="1270" anchor="ctr" anchorCtr="0">
+          <a:noAutofit/>
+        </a:bodyPr>
+        <a:lstStyle/>
+        <a:p>
+          <a:pPr lvl="0" algn="ctr" defTabSz="1289050">
+            <a:lnSpc>
+              <a:spcPct val="90000"/>
+            </a:lnSpc>
+            <a:spcBef>
+              <a:spcPct val="0"/>
+            </a:spcBef>
+            <a:spcAft>
+              <a:spcPct val="35000"/>
+            </a:spcAft>
+          </a:pPr>
+          <a:r>
+            <a:rPr lang="en-US" sz="2900" kern="1200" dirty="0" smtClean="0"/>
+            <a:t>Function: </a:t>
+          </a:r>
+          <a:r>
+            <a:rPr lang="en-US" sz="2900" kern="1200" dirty="0" err="1" smtClean="0"/>
+            <a:t>preplists</a:t>
+          </a:r>
+          <a:r>
+            <a:rPr lang="en-US" sz="2900" kern="1200" dirty="0" smtClean="0"/>
+            <a:t> </a:t>
+          </a:r>
+          <a:endParaRPr lang="en-US" sz="2900" kern="1200" dirty="0"/>
+        </a:p>
+      </dsp:txBody>
+      <dsp:txXfrm>
+        <a:off x="47383" y="1589217"/>
+        <a:ext cx="3483913" cy="1393565"/>
+      </dsp:txXfrm>
+    </dsp:sp>
+    <dsp:sp modelId="{285528A5-2440-43E2-B733-B246638E1830}">
+      <dsp:nvSpPr>
+        <dsp:cNvPr id="0" name=""/>
+        <dsp:cNvSpPr/>
+      </dsp:nvSpPr>
+      <dsp:spPr>
+        <a:xfrm>
+          <a:off x="3078388" y="1707670"/>
+          <a:ext cx="2891648" cy="1156659"/>
+        </a:xfrm>
+        <a:prstGeom prst="chevron">
+          <a:avLst/>
+        </a:prstGeom>
+        <a:solidFill>
+          <a:schemeClr val="dk2">
+            <a:alpha val="90000"/>
+            <a:tint val="40000"/>
+            <a:hueOff val="0"/>
+            <a:satOff val="0"/>
+            <a:lumOff val="0"/>
+            <a:alphaOff val="0"/>
+          </a:schemeClr>
+        </a:solidFill>
+        <a:ln w="11429" cap="flat" cmpd="sng" algn="ctr">
+          <a:solidFill>
+            <a:schemeClr val="dk2">
+              <a:alpha val="90000"/>
+              <a:tint val="40000"/>
+              <a:hueOff val="0"/>
+              <a:satOff val="0"/>
+              <a:lumOff val="0"/>
+              <a:alphaOff val="0"/>
+            </a:schemeClr>
+          </a:solidFill>
+          <a:prstDash val="sysDash"/>
+        </a:ln>
+        <a:effectLst/>
+      </dsp:spPr>
+      <dsp:style>
+        <a:lnRef idx="2">
+          <a:scrgbClr r="0" g="0" b="0"/>
+        </a:lnRef>
+        <a:fillRef idx="1">
+          <a:scrgbClr r="0" g="0" b="0"/>
+        </a:fillRef>
+        <a:effectRef idx="0">
+          <a:scrgbClr r="0" g="0" b="0"/>
+        </a:effectRef>
+        <a:fontRef idx="minor"/>
+      </dsp:style>
+      <dsp:txBody>
+        <a:bodyPr spcFirstLastPara="0" vert="horz" wrap="square" lIns="26670" tIns="13335" rIns="0" bIns="13335" numCol="1" spcCol="1270" anchor="ctr" anchorCtr="0">
+          <a:noAutofit/>
+        </a:bodyPr>
+        <a:lstStyle/>
+        <a:p>
+          <a:pPr lvl="0" algn="ctr" defTabSz="933450">
+            <a:lnSpc>
+              <a:spcPct val="90000"/>
+            </a:lnSpc>
+            <a:spcBef>
+              <a:spcPct val="0"/>
+            </a:spcBef>
+            <a:spcAft>
+              <a:spcPct val="35000"/>
+            </a:spcAft>
+          </a:pPr>
+          <a:r>
+            <a:rPr lang="en-US" sz="2100" kern="1200" dirty="0" smtClean="0"/>
+            <a:t>Format Input Observation Points</a:t>
+          </a:r>
+          <a:endParaRPr lang="en-US" sz="2100" kern="1200" dirty="0"/>
+        </a:p>
+      </dsp:txBody>
+      <dsp:txXfrm>
+        <a:off x="3078388" y="1707670"/>
+        <a:ext cx="2891648" cy="1156659"/>
+      </dsp:txXfrm>
+    </dsp:sp>
+    <dsp:sp modelId="{2C405A29-78F0-4019-A7CF-C544353F96FB}">
+      <dsp:nvSpPr>
+        <dsp:cNvPr id="0" name=""/>
+        <dsp:cNvSpPr/>
+      </dsp:nvSpPr>
+      <dsp:spPr>
+        <a:xfrm>
+          <a:off x="5565206" y="1707670"/>
+          <a:ext cx="2891648" cy="1156659"/>
+        </a:xfrm>
+        <a:prstGeom prst="chevron">
+          <a:avLst/>
+        </a:prstGeom>
+        <a:solidFill>
+          <a:schemeClr val="dk2">
+            <a:alpha val="90000"/>
+            <a:tint val="40000"/>
+            <a:hueOff val="0"/>
+            <a:satOff val="0"/>
+            <a:lumOff val="0"/>
+            <a:alphaOff val="0"/>
+          </a:schemeClr>
+        </a:solidFill>
+        <a:ln w="11429" cap="flat" cmpd="sng" algn="ctr">
+          <a:solidFill>
+            <a:schemeClr val="dk2">
+              <a:alpha val="90000"/>
+              <a:tint val="40000"/>
+              <a:hueOff val="0"/>
+              <a:satOff val="0"/>
+              <a:lumOff val="0"/>
+              <a:alphaOff val="0"/>
+            </a:schemeClr>
+          </a:solidFill>
+          <a:prstDash val="sysDash"/>
+        </a:ln>
+        <a:effectLst/>
+      </dsp:spPr>
+      <dsp:style>
+        <a:lnRef idx="2">
+          <a:scrgbClr r="0" g="0" b="0"/>
+        </a:lnRef>
+        <a:fillRef idx="1">
+          <a:scrgbClr r="0" g="0" b="0"/>
+        </a:fillRef>
+        <a:effectRef idx="0">
+          <a:scrgbClr r="0" g="0" b="0"/>
+        </a:effectRef>
+        <a:fontRef idx="minor"/>
+      </dsp:style>
+      <dsp:txBody>
+        <a:bodyPr spcFirstLastPara="0" vert="horz" wrap="square" lIns="26670" tIns="13335" rIns="0" bIns="13335" numCol="1" spcCol="1270" anchor="ctr" anchorCtr="0">
+          <a:noAutofit/>
+        </a:bodyPr>
+        <a:lstStyle/>
+        <a:p>
+          <a:pPr lvl="0" algn="ctr" defTabSz="933450">
+            <a:lnSpc>
+              <a:spcPct val="90000"/>
+            </a:lnSpc>
+            <a:spcBef>
+              <a:spcPct val="0"/>
+            </a:spcBef>
+            <a:spcAft>
+              <a:spcPct val="35000"/>
+            </a:spcAft>
+          </a:pPr>
+          <a:r>
+            <a:rPr lang="en-US" sz="2100" kern="1200" dirty="0" smtClean="0"/>
+            <a:t>Format Output Grid Points</a:t>
+          </a:r>
+          <a:endParaRPr lang="en-US" sz="2100" kern="1200" dirty="0"/>
+        </a:p>
+      </dsp:txBody>
+      <dsp:txXfrm>
+        <a:off x="5565206" y="1707670"/>
+        <a:ext cx="2891648" cy="1156659"/>
+      </dsp:txXfrm>
+    </dsp:sp>
+    <dsp:sp modelId="{92B6493B-09D3-4FCD-8217-19F1AAEA0D5C}">
+      <dsp:nvSpPr>
+        <dsp:cNvPr id="0" name=""/>
+        <dsp:cNvSpPr/>
+      </dsp:nvSpPr>
+      <dsp:spPr>
+        <a:xfrm>
+          <a:off x="47383" y="3177881"/>
+          <a:ext cx="3483913" cy="1393565"/>
+        </a:xfrm>
+        <a:prstGeom prst="chevron">
+          <a:avLst/>
+        </a:prstGeom>
+        <a:solidFill>
+          <a:schemeClr val="dk2">
+            <a:hueOff val="0"/>
+            <a:satOff val="0"/>
+            <a:lumOff val="0"/>
+            <a:alphaOff val="0"/>
+          </a:schemeClr>
+        </a:solidFill>
+        <a:ln w="11429" cap="flat" cmpd="sng" algn="ctr">
+          <a:solidFill>
+            <a:schemeClr val="lt2">
+              <a:hueOff val="0"/>
+              <a:satOff val="0"/>
+              <a:lumOff val="0"/>
+              <a:alphaOff val="0"/>
+            </a:schemeClr>
+          </a:solidFill>
+          <a:prstDash val="sysDash"/>
+        </a:ln>
+        <a:effectLst/>
+      </dsp:spPr>
+      <dsp:style>
+        <a:lnRef idx="2">
+          <a:scrgbClr r="0" g="0" b="0"/>
+        </a:lnRef>
+        <a:fillRef idx="1">
+          <a:scrgbClr r="0" g="0" b="0"/>
+        </a:fillRef>
+        <a:effectRef idx="0">
+          <a:scrgbClr r="0" g="0" b="0"/>
+        </a:effectRef>
+        <a:fontRef idx="minor">
+          <a:schemeClr val="lt1"/>
+        </a:fontRef>
+      </dsp:style>
+      <dsp:txBody>
+        <a:bodyPr spcFirstLastPara="0" vert="horz" wrap="square" lIns="36830" tIns="18415" rIns="0" bIns="18415" numCol="1" spcCol="1270" anchor="ctr" anchorCtr="0">
+          <a:noAutofit/>
+        </a:bodyPr>
+        <a:lstStyle/>
+        <a:p>
+          <a:pPr lvl="0" algn="ctr" defTabSz="1289050">
+            <a:lnSpc>
+              <a:spcPct val="90000"/>
+            </a:lnSpc>
+            <a:spcBef>
+              <a:spcPct val="0"/>
+            </a:spcBef>
+            <a:spcAft>
+              <a:spcPct val="35000"/>
+            </a:spcAft>
+          </a:pPr>
+          <a:r>
+            <a:rPr lang="en-US" sz="2900" kern="1200" dirty="0" smtClean="0"/>
+            <a:t>Choose your Calculation Function</a:t>
+          </a:r>
+          <a:endParaRPr lang="en-US" sz="2900" kern="1200" dirty="0"/>
+        </a:p>
+      </dsp:txBody>
+      <dsp:txXfrm>
+        <a:off x="47383" y="3177881"/>
+        <a:ext cx="3483913" cy="1393565"/>
+      </dsp:txXfrm>
+    </dsp:sp>
+    <dsp:sp modelId="{9A3D3EE7-2940-420B-8AC2-69E51CE2CC2C}">
+      <dsp:nvSpPr>
+        <dsp:cNvPr id="0" name=""/>
+        <dsp:cNvSpPr/>
+      </dsp:nvSpPr>
+      <dsp:spPr>
+        <a:xfrm>
+          <a:off x="3078388" y="3296335"/>
+          <a:ext cx="2891648" cy="1156659"/>
+        </a:xfrm>
+        <a:prstGeom prst="chevron">
+          <a:avLst/>
+        </a:prstGeom>
+        <a:solidFill>
+          <a:schemeClr val="dk2">
+            <a:alpha val="90000"/>
+            <a:tint val="40000"/>
+            <a:hueOff val="0"/>
+            <a:satOff val="0"/>
+            <a:lumOff val="0"/>
+            <a:alphaOff val="0"/>
+          </a:schemeClr>
+        </a:solidFill>
+        <a:ln w="11429" cap="flat" cmpd="sng" algn="ctr">
+          <a:solidFill>
+            <a:schemeClr val="dk2">
+              <a:alpha val="90000"/>
+              <a:tint val="40000"/>
+              <a:hueOff val="0"/>
+              <a:satOff val="0"/>
+              <a:lumOff val="0"/>
+              <a:alphaOff val="0"/>
+            </a:schemeClr>
+          </a:solidFill>
+          <a:prstDash val="sysDash"/>
+        </a:ln>
+        <a:effectLst/>
+      </dsp:spPr>
+      <dsp:style>
+        <a:lnRef idx="2">
+          <a:scrgbClr r="0" g="0" b="0"/>
+        </a:lnRef>
+        <a:fillRef idx="1">
+          <a:scrgbClr r="0" g="0" b="0"/>
+        </a:fillRef>
+        <a:effectRef idx="0">
+          <a:scrgbClr r="0" g="0" b="0"/>
+        </a:effectRef>
+        <a:fontRef idx="minor"/>
+      </dsp:style>
+      <dsp:txBody>
+        <a:bodyPr spcFirstLastPara="0" vert="horz" wrap="square" lIns="26670" tIns="13335" rIns="0" bIns="13335" numCol="1" spcCol="1270" anchor="ctr" anchorCtr="0">
+          <a:noAutofit/>
+        </a:bodyPr>
+        <a:lstStyle/>
+        <a:p>
+          <a:pPr lvl="0" algn="ctr" defTabSz="933450">
+            <a:lnSpc>
+              <a:spcPct val="90000"/>
+            </a:lnSpc>
+            <a:spcBef>
+              <a:spcPct val="0"/>
+            </a:spcBef>
+            <a:spcAft>
+              <a:spcPct val="35000"/>
+            </a:spcAft>
+          </a:pPr>
+          <a:r>
+            <a:rPr lang="en-US" sz="2100" kern="1200" dirty="0" smtClean="0"/>
+            <a:t>Create Kernel Values for Points in Grid</a:t>
+          </a:r>
+          <a:endParaRPr lang="en-US" sz="2100" kern="1200" dirty="0"/>
+        </a:p>
+      </dsp:txBody>
+      <dsp:txXfrm>
+        <a:off x="3078388" y="3296335"/>
+        <a:ext cx="2891648" cy="1156659"/>
+      </dsp:txXfrm>
+    </dsp:sp>
+    <dsp:sp modelId="{75580EDE-DBA1-4845-A55E-53496278A49C}">
+      <dsp:nvSpPr>
+        <dsp:cNvPr id="0" name=""/>
+        <dsp:cNvSpPr/>
+      </dsp:nvSpPr>
+      <dsp:spPr>
+        <a:xfrm>
+          <a:off x="5565206" y="3296335"/>
+          <a:ext cx="2891648" cy="1156659"/>
+        </a:xfrm>
+        <a:prstGeom prst="chevron">
+          <a:avLst/>
+        </a:prstGeom>
+        <a:solidFill>
+          <a:schemeClr val="dk2">
+            <a:alpha val="90000"/>
+            <a:tint val="40000"/>
+            <a:hueOff val="0"/>
+            <a:satOff val="0"/>
+            <a:lumOff val="0"/>
+            <a:alphaOff val="0"/>
+          </a:schemeClr>
+        </a:solidFill>
+        <a:ln w="11429" cap="flat" cmpd="sng" algn="ctr">
+          <a:solidFill>
+            <a:schemeClr val="dk2">
+              <a:alpha val="90000"/>
+              <a:tint val="40000"/>
+              <a:hueOff val="0"/>
+              <a:satOff val="0"/>
+              <a:lumOff val="0"/>
+              <a:alphaOff val="0"/>
+            </a:schemeClr>
+          </a:solidFill>
+          <a:prstDash val="sysDash"/>
+        </a:ln>
+        <a:effectLst/>
+      </dsp:spPr>
+      <dsp:style>
+        <a:lnRef idx="2">
+          <a:scrgbClr r="0" g="0" b="0"/>
+        </a:lnRef>
+        <a:fillRef idx="1">
+          <a:scrgbClr r="0" g="0" b="0"/>
+        </a:fillRef>
+        <a:effectRef idx="0">
+          <a:scrgbClr r="0" g="0" b="0"/>
+        </a:effectRef>
+        <a:fontRef idx="minor"/>
+      </dsp:style>
+      <dsp:txBody>
+        <a:bodyPr spcFirstLastPara="0" vert="horz" wrap="square" lIns="26670" tIns="13335" rIns="0" bIns="13335" numCol="1" spcCol="1270" anchor="ctr" anchorCtr="0">
+          <a:noAutofit/>
+        </a:bodyPr>
+        <a:lstStyle/>
+        <a:p>
+          <a:pPr lvl="0" algn="ctr" defTabSz="933450">
+            <a:lnSpc>
+              <a:spcPct val="90000"/>
+            </a:lnSpc>
+            <a:spcBef>
+              <a:spcPct val="0"/>
+            </a:spcBef>
+            <a:spcAft>
+              <a:spcPct val="35000"/>
+            </a:spcAft>
+          </a:pPr>
+          <a:r>
+            <a:rPr lang="en-US" sz="2100" kern="1200" dirty="0" smtClean="0"/>
+            <a:t>Create Kernel Values for a Specific Point</a:t>
+          </a:r>
+          <a:endParaRPr lang="en-US" sz="2100" kern="1200" dirty="0"/>
+        </a:p>
+      </dsp:txBody>
+      <dsp:txXfrm>
+        <a:off x="5565206" y="3296335"/>
+        <a:ext cx="2891648" cy="1156659"/>
+      </dsp:txXfrm>
+    </dsp:sp>
+  </dsp:spTree>
+</dsp:drawing>
+</file>
+
+<file path=ppt/diagrams/layout1.xml><?xml version="1.0" encoding="utf-8"?>
+<dgm:layoutDef xmlns:dgm="http://schemas.openxmlformats.org/drawingml/2006/diagram" xmlns:a="http://schemas.openxmlformats.org/drawingml/2006/main" uniqueId="urn:microsoft.com/office/officeart/2005/8/layout/lProcess3">
+  <dgm:title val=""/>
+  <dgm:desc val=""/>
+  <dgm:catLst>
+    <dgm:cat type="process" pri="11000"/>
+    <dgm:cat type="convert" pri="12000"/>
+  </dgm:catLst>
+  <dgm:sampData>
+    <dgm:dataModel>
+      <dgm:ptLst>
+        <dgm:pt modelId="0" type="doc"/>
+        <dgm:pt modelId="1">
+          <dgm:prSet phldr="1"/>
+        </dgm:pt>
+        <dgm:pt modelId="11">
+          <dgm:prSet phldr="1"/>
+        </dgm:pt>
+        <dgm:pt modelId="12">
+          <dgm:prSet phldr="1"/>
+        </dgm:pt>
+        <dgm:pt modelId="2">
+          <dgm:prSet phldr="1"/>
+        </dgm:pt>
+        <dgm:pt modelId="21">
+          <dgm:prSet phldr="1"/>
+        </dgm:pt>
+        <dgm:pt modelId="22">
+          <dgm:prSet phldr="1"/>
+        </dgm:pt>
+        <dgm:pt modelId="3">
+          <dgm:prSet phldr="1"/>
+        </dgm:pt>
+        <dgm:pt modelId="31">
+          <dgm:prSet phldr="1"/>
+        </dgm:pt>
+        <dgm:pt modelId="32">
+          <dgm:prSet phldr="1"/>
+        </dgm:pt>
+      </dgm:ptLst>
+      <dgm:cxnLst>
+        <dgm:cxn modelId="4" srcId="0" destId="1" srcOrd="0" destOrd="0"/>
+        <dgm:cxn modelId="5" srcId="0" destId="2" srcOrd="1" destOrd="0"/>
+        <dgm:cxn modelId="6" srcId="0" destId="3" srcOrd="2" destOrd="0"/>
+        <dgm:cxn modelId="41" srcId="1" destId="11" srcOrd="0" destOrd="0"/>
+        <dgm:cxn modelId="42" srcId="1" destId="12" srcOrd="1" destOrd="0"/>
+        <dgm:cxn modelId="51" srcId="2" destId="21" srcOrd="0" destOrd="0"/>
+        <dgm:cxn modelId="52" srcId="2" destId="22" srcOrd="1" destOrd="0"/>
+        <dgm:cxn modelId="61" srcId="3" destId="31" srcOrd="0" destOrd="0"/>
+        <dgm:cxn modelId="62" srcId="3" destId="32" srcOrd="1" destOrd="0"/>
+      </dgm:cxnLst>
+      <dgm:bg/>
+      <dgm:whole/>
+    </dgm:dataModel>
+  </dgm:sampData>
+  <dgm:styleData>
+    <dgm:dataModel>
+      <dgm:ptLst>
+        <dgm:pt modelId="0" type="doc"/>
+        <dgm:pt modelId="1"/>
+        <dgm:pt modelId="2"/>
+      </dgm:ptLst>
+      <dgm:cxnLst>
+        <dgm:cxn modelId="4" srcId="0" destId="1" srcOrd="0" destOrd="0"/>
+        <dgm:cxn modelId="5" srcId="1" destId="2" srcOrd="0" destOrd="0"/>
+      </dgm:cxnLst>
+      <dgm:bg/>
+      <dgm:whole/>
+    </dgm:dataModel>
+  </dgm:styleData>
+  <dgm:clrData>
+    <dgm:dataModel>
+      <dgm:ptLst>
+        <dgm:pt modelId="0" type="doc"/>
+        <dgm:pt modelId="1"/>
+        <dgm:pt modelId="11"/>
+        <dgm:pt modelId="2"/>
+        <dgm:pt modelId="21"/>
+        <dgm:pt modelId="3"/>
+        <dgm:pt modelId="31"/>
+        <dgm:pt modelId="4"/>
+        <dgm:pt modelId="41"/>
+      </dgm:ptLst>
+      <dgm:cxnLst>
+        <dgm:cxn modelId="5" srcId="0" destId="1" srcOrd="0" destOrd="0"/>
+        <dgm:cxn modelId="6" srcId="0" destId="2" srcOrd="1" destOrd="0"/>
+        <dgm:cxn modelId="7" srcId="0" destId="3" srcOrd="2" destOrd="0"/>
+        <dgm:cxn modelId="8" srcId="0" destId="4" srcOrd="3" destOrd="0"/>
+        <dgm:cxn modelId="51" srcId="1" destId="11" srcOrd="0" destOrd="0"/>
+        <dgm:cxn modelId="61" srcId="2" destId="21" srcOrd="0" destOrd="0"/>
+        <dgm:cxn modelId="71" srcId="3" destId="31" srcOrd="0" destOrd="0"/>
+        <dgm:cxn modelId="81" srcId="4" destId="41" srcOrd="0" destOrd="0"/>
+      </dgm:cxnLst>
+      <dgm:bg/>
+      <dgm:whole/>
+    </dgm:dataModel>
+  </dgm:clrData>
+  <dgm:layoutNode name="Name0">
+    <dgm:varLst>
+      <dgm:chPref val="3"/>
+      <dgm:dir/>
+      <dgm:animLvl val="lvl"/>
+      <dgm:resizeHandles/>
+    </dgm:varLst>
+    <dgm:choose name="Name1">
+      <dgm:if name="Name2" func="var" arg="dir" op="equ" val="norm">
+        <dgm:alg type="lin">
+          <dgm:param type="linDir" val="fromT"/>
+          <dgm:param type="vertAlign" val="mid"/>
+          <dgm:param type="nodeHorzAlign" val="l"/>
+          <dgm:param type="nodeVertAlign" val="t"/>
+          <dgm:param type="fallback" val="2D"/>
+        </dgm:alg>
+      </dgm:if>
+      <dgm:else name="Name3">
+        <dgm:alg type="lin">
+          <dgm:param type="linDir" val="fromT"/>
+          <dgm:param type="vertAlign" val="mid"/>
+          <dgm:param type="nodeHorzAlign" val="r"/>
+          <dgm:param type="nodeVertAlign" val="t"/>
+          <dgm:param type="fallback" val="2D"/>
+        </dgm:alg>
+      </dgm:else>
+    </dgm:choose>
+    <dgm:shape xmlns:r="http://schemas.openxmlformats.org/officeDocument/2006/relationships" r:blip="">
+      <dgm:adjLst/>
+    </dgm:shape>
+    <dgm:presOf/>
+    <dgm:constrLst>
+      <dgm:constr type="w" for="des" forName="bigChev" refType="w"/>
+      <dgm:constr type="h" for="des" forName="bigChev" refType="w" refFor="des" refForName="bigChev" op="equ" fact="0.4"/>
+      <dgm:constr type="w" for="des" forName="node" refType="w" refFor="des" refForName="bigChev" fact="0.83"/>
+      <dgm:constr type="h" for="des" forName="node" refType="w" refFor="des" refForName="node" op="equ" fact="0.4"/>
+      <dgm:constr type="w" for="des" forName="parTrans" refType="w" refFor="des" refForName="bigChev" op="equ" fact="-0.13"/>
+      <dgm:constr type="w" for="des" forName="sibTrans" refType="w" refFor="des" refForName="node" op="equ" fact="-0.14"/>
+      <dgm:constr type="h" for="ch" forName="vSp" refType="h" refFor="des" refForName="bigChev" op="equ" fact="0.14"/>
+      <dgm:constr type="primFontSz" for="des" forName="node" op="equ"/>
+      <dgm:constr type="primFontSz" for="des" forName="bigChev" op="equ"/>
+    </dgm:constrLst>
+    <dgm:ruleLst/>
+    <dgm:forEach name="Name4" axis="ch" ptType="node">
+      <dgm:layoutNode name="horFlow">
+        <dgm:choose name="Name5">
+          <dgm:if name="Name6" func="var" arg="dir" op="equ" val="norm">
+            <dgm:alg type="lin">
+              <dgm:param type="linDir" val="fromL"/>
+              <dgm:param type="nodeHorzAlign" val="l"/>
+              <dgm:param type="nodeVertAlign" val="mid"/>
+              <dgm:param type="fallback" val="2D"/>
+            </dgm:alg>
+          </dgm:if>
+          <dgm:else name="Name7">
+            <dgm:alg type="lin">
+              <dgm:param type="linDir" val="fromR"/>
+              <dgm:param type="nodeHorzAlign" val="r"/>
+              <dgm:param type="nodeVertAlign" val="mid"/>
+              <dgm:param type="fallback" val="2D"/>
+            </dgm:alg>
+          </dgm:else>
+        </dgm:choose>
+        <dgm:shape xmlns:r="http://schemas.openxmlformats.org/officeDocument/2006/relationships" r:blip="">
+          <dgm:adjLst/>
+        </dgm:shape>
+        <dgm:presOf/>
+        <dgm:constrLst/>
+        <dgm:ruleLst/>
+        <dgm:layoutNode name="bigChev" styleLbl="node1">
+          <dgm:alg type="tx"/>
+          <dgm:choose name="Name8">
+            <dgm:if name="Name9" func="var" arg="dir" op="equ" val="norm">
+              <dgm:shape xmlns:r="http://schemas.openxmlformats.org/officeDocument/2006/relationships" type="chevron" r:blip="">
+                <dgm:adjLst/>
+              </dgm:shape>
+              <dgm:presOf axis="self"/>
+              <dgm:constrLst>
+                <dgm:constr type="primFontSz" val="65"/>
+                <dgm:constr type="rMarg"/>
+                <dgm:constr type="lMarg" refType="primFontSz" fact="0.1"/>
+                <dgm:constr type="tMarg" refType="primFontSz" fact="0.05"/>
+                <dgm:constr type="bMarg" refType="primFontSz" fact="0.05"/>
+              </dgm:constrLst>
+            </dgm:if>
+            <dgm:else name="Name10">
+              <dgm:shape xmlns:r="http://schemas.openxmlformats.org/officeDocument/2006/relationships" rot="180" type="chevron" r:blip="">
+                <dgm:adjLst/>
+              </dgm:shape>
+              <dgm:presOf axis="self"/>
+              <dgm:constrLst>
+                <dgm:constr type="primFontSz" val="65"/>
+                <dgm:constr type="lMarg"/>
+                <dgm:constr type="rMarg" refType="primFontSz" fact="0.1"/>
+                <dgm:constr type="tMarg" refType="primFontSz" fact="0.05"/>
+                <dgm:constr type="bMarg" refType="primFontSz" fact="0.05"/>
+              </dgm:constrLst>
+            </dgm:else>
+          </dgm:choose>
+          <dgm:ruleLst>
+            <dgm:rule type="primFontSz" val="5" fact="NaN" max="NaN"/>
+          </dgm:ruleLst>
+        </dgm:layoutNode>
+        <dgm:forEach name="parTransForEach" axis="ch" ptType="parTrans" cnt="1">
+          <dgm:layoutNode name="parTrans">
+            <dgm:alg type="sp"/>
+            <dgm:shape xmlns:r="http://schemas.openxmlformats.org/officeDocument/2006/relationships" r:blip="">
+              <dgm:adjLst/>
+            </dgm:shape>
+            <dgm:presOf/>
+            <dgm:constrLst/>
+            <dgm:ruleLst/>
+          </dgm:layoutNode>
+        </dgm:forEach>
+        <dgm:forEach name="Name11" axis="ch" ptType="node">
+          <dgm:layoutNode name="node" styleLbl="alignAccFollowNode1">
+            <dgm:varLst>
+              <dgm:bulletEnabled val="1"/>
+            </dgm:varLst>
+            <dgm:alg type="tx"/>
+            <dgm:choose name="Name12">
+              <dgm:if name="Name13" func="var" arg="dir" op="equ" val="norm">
+                <dgm:shape xmlns:r="http://schemas.openxmlformats.org/officeDocument/2006/relationships" type="chevron" r:blip="">
+                  <dgm:adjLst/>
+                </dgm:shape>
+                <dgm:presOf axis="desOrSelf" ptType="node"/>
+                <dgm:constrLst>
+                  <dgm:constr type="primFontSz" val="65"/>
+                  <dgm:constr type="rMarg"/>
+                  <dgm:constr type="lMarg" refType="primFontSz" fact="0.1"/>
+                  <dgm:constr type="tMarg" refType="primFontSz" fact="0.05"/>
+                  <dgm:constr type="bMarg" refType="primFontSz" fact="0.05"/>
+                </dgm:constrLst>
+              </dgm:if>
+              <dgm:else name="Name14">
+                <dgm:shape xmlns:r="http://schemas.openxmlformats.org/officeDocument/2006/relationships" rot="180" type="chevron" r:blip="">
+                  <dgm:adjLst/>
+                </dgm:shape>
+                <dgm:presOf axis="desOrSelf" ptType="node"/>
+                <dgm:constrLst>
+                  <dgm:constr type="primFontSz" val="65"/>
+                  <dgm:constr type="lMarg"/>
+                  <dgm:constr type="rMarg" refType="primFontSz" fact="0.1"/>
+                  <dgm:constr type="tMarg" refType="primFontSz" fact="0.05"/>
+                  <dgm:constr type="bMarg" refType="primFontSz" fact="0.05"/>
+                </dgm:constrLst>
+              </dgm:else>
+            </dgm:choose>
+            <dgm:ruleLst>
+              <dgm:rule type="primFontSz" val="5" fact="NaN" max="NaN"/>
+            </dgm:ruleLst>
+          </dgm:layoutNode>
+          <dgm:forEach name="sibTransForEach" axis="followSib" ptType="sibTrans" cnt="1">
+            <dgm:layoutNode name="sibTrans">
+              <dgm:alg type="sp"/>
+              <dgm:shape xmlns:r="http://schemas.openxmlformats.org/officeDocument/2006/relationships" r:blip="">
+                <dgm:adjLst/>
+              </dgm:shape>
+              <dgm:presOf/>
+              <dgm:constrLst/>
+              <dgm:ruleLst/>
+            </dgm:layoutNode>
+          </dgm:forEach>
+        </dgm:forEach>
+      </dgm:layoutNode>
+      <dgm:choose name="Name15">
+        <dgm:if name="Name16" axis="self" ptType="node" func="revPos" op="gte" val="2">
+          <dgm:layoutNode name="vSp">
+            <dgm:alg type="sp"/>
+            <dgm:shape xmlns:r="http://schemas.openxmlformats.org/officeDocument/2006/relationships" r:blip="">
+              <dgm:adjLst/>
+            </dgm:shape>
+            <dgm:presOf/>
+            <dgm:constrLst/>
+            <dgm:ruleLst/>
+          </dgm:layoutNode>
+        </dgm:if>
+        <dgm:else name="Name17"/>
+      </dgm:choose>
+    </dgm:forEach>
+  </dgm:layoutNode>
+</dgm:layoutDef>
+</file>
+
+<file path=ppt/diagrams/quickStyle1.xml><?xml version="1.0" encoding="utf-8"?>
+<dgm:styleDef xmlns:dgm="http://schemas.openxmlformats.org/drawingml/2006/diagram" xmlns:a="http://schemas.openxmlformats.org/drawingml/2006/main" uniqueId="urn:microsoft.com/office/officeart/2005/8/quickstyle/simple1">
+  <dgm:title val=""/>
+  <dgm:desc val=""/>
+  <dgm:catLst>
+    <dgm:cat type="simple" pri="10100"/>
+  </dgm:catLst>
+  <dgm:scene3d>
+    <a:camera prst="orthographicFront"/>
+    <a:lightRig rig="threePt" dir="t"/>
+  </dgm:scene3d>
+  <dgm:styleLbl name="node0">
+    <dgm:scene3d>
+      <a:camera prst="orthographicFront"/>
+      <a:lightRig rig="threePt" dir="t"/>
+    </dgm:scene3d>
+    <dgm:sp3d/>
+    <dgm:txPr/>
+    <dgm:style>
+      <a:lnRef idx="2">
+        <a:scrgbClr r="0" g="0" b="0"/>
+      </a:lnRef>
+      <a:fillRef idx="1">
+        <a:scrgbClr r="0" g="0" b="0"/>
+      </a:fillRef>
+      <a:effectRef idx="0">
+        <a:scrgbClr r="0" g="0" b="0"/>
+      </a:effectRef>
+      <a:fontRef idx="minor">
+        <a:schemeClr val="lt1"/>
+      </a:fontRef>
+    </dgm:style>
+  </dgm:styleLbl>
+  <dgm:styleLbl name="lnNode1">
+    <dgm:scene3d>
+      <a:camera prst="orthographicFront"/>
+      <a:lightRig rig="threePt" dir="t"/>
+    </dgm:scene3d>
+    <dgm:sp3d/>
+    <dgm:txPr/>
+    <dgm:style>
+      <a:lnRef idx="2">
+        <a:scrgbClr r="0" g="0" b="0"/>
+      </a:lnRef>
+      <a:fillRef idx="1">
+        <a:scrgbClr r="0" g="0" b="0"/>
+      </a:fillRef>
+      <a:effectRef idx="0">
+        <a:scrgbClr r="0" g="0" b="0"/>
+      </a:effectRef>
+      <a:fontRef idx="minor">
+        <a:schemeClr val="lt1"/>
+      </a:fontRef>
+    </dgm:style>
+  </dgm:styleLbl>
+  <dgm:styleLbl name="vennNode1">
+    <dgm:scene3d>
+      <a:camera prst="orthographicFront"/>
+      <a:lightRig rig="threePt" dir="t"/>
+    </dgm:scene3d>
+    <dgm:sp3d/>
+    <dgm:txPr/>
+    <dgm:style>
+      <a:lnRef idx="2">
+        <a:scrgbClr r="0" g="0" b="0"/>
+      </a:lnRef>
+      <a:fillRef idx="1">
+        <a:scrgbClr r="0" g="0" b="0"/>
+      </a:fillRef>
+      <a:effectRef idx="0">
+        <a:scrgbClr r="0" g="0" b="0"/>
+      </a:effectRef>
+      <a:fontRef idx="minor">
+        <a:schemeClr val="tx1"/>
+      </a:fontRef>
+    </dgm:style>
+  </dgm:styleLbl>
+  <dgm:styleLbl name="alignNode1">
+    <dgm:scene3d>
+      <a:camera prst="orthographicFront"/>
+      <a:lightRig rig="threePt" dir="t"/>
+    </dgm:scene3d>
+    <dgm:sp3d/>
+    <dgm:txPr/>
+    <dgm:style>
+      <a:lnRef idx="2">
+        <a:scrgbClr r="0" g="0" b="0"/>
+      </a:lnRef>
+      <a:fillRef idx="1">
+        <a:scrgbClr r="0" g="0" b="0"/>
+      </a:fillRef>
+      <a:effectRef idx="0">
+        <a:scrgbClr r="0" g="0" b="0"/>
+      </a:effectRef>
+      <a:fontRef idx="minor">
+        <a:schemeClr val="lt1"/>
+      </a:fontRef>
+    </dgm:style>
+  </dgm:styleLbl>
+  <dgm:styleLbl name="node1">
+    <dgm:scene3d>
+      <a:camera prst="orthographicFront"/>
+      <a:lightRig rig="threePt" dir="t"/>
+    </dgm:scene3d>
+    <dgm:sp3d/>
+    <dgm:txPr/>
+    <dgm:style>
+      <a:lnRef idx="2">
+        <a:scrgbClr r="0" g="0" b="0"/>
+      </a:lnRef>
+      <a:fillRef idx="1">
+        <a:scrgbClr r="0" g="0" b="0"/>
+      </a:fillRef>
+      <a:effectRef idx="0">
+        <a:scrgbClr r="0" g="0" b="0"/>
+      </a:effectRef>
+      <a:fontRef idx="minor">
+        <a:schemeClr val="lt1"/>
+      </a:fontRef>
+    </dgm:style>
+  </dgm:styleLbl>
+  <dgm:styleLbl name="node2">
+    <dgm:scene3d>
+      <a:camera prst="orthographicFront"/>
+      <a:lightRig rig="threePt" dir="t"/>
+    </dgm:scene3d>
+    <dgm:sp3d/>
+    <dgm:txPr/>
+    <dgm:style>
+      <a:lnRef idx="2">
+        <a:scrgbClr r="0" g="0" b="0"/>
+      </a:lnRef>
+      <a:fillRef idx="1">
+        <a:scrgbClr r="0" g="0" b="0"/>
+      </a:fillRef>
+      <a:effectRef idx="0">
+        <a:scrgbClr r="0" g="0" b="0"/>
+      </a:effectRef>
+      <a:fontRef idx="minor">
+        <a:schemeClr val="lt1"/>
+      </a:fontRef>
+    </dgm:style>
+  </dgm:styleLbl>
+  <dgm:styleLbl name="node3">
+    <dgm:scene3d>
+      <a:camera prst="orthographicFront"/>
+      <a:lightRig rig="threePt" dir="t"/>
+    </dgm:scene3d>
+    <dgm:sp3d/>
+    <dgm:txPr/>
+    <dgm:style>
+      <a:lnRef idx="2">
+        <a:scrgbClr r="0" g="0" b="0"/>
+      </a:lnRef>
+      <a:fillRef idx="1">
+        <a:scrgbClr r="0" g="0" b="0"/>
+      </a:fillRef>
+      <a:effectRef idx="0">
+        <a:scrgbClr r="0" g="0" b="0"/>
+      </a:effectRef>
+      <a:fontRef idx="minor">
+        <a:schemeClr val="lt1"/>
+      </a:fontRef>
+    </dgm:style>
+  </dgm:styleLbl>
+  <dgm:styleLbl name="node4">
+    <dgm:scene3d>
+      <a:camera prst="orthographicFront"/>
+      <a:lightRig rig="threePt" dir="t"/>
+    </dgm:scene3d>
+    <dgm:sp3d/>
+    <dgm:txPr/>
+    <dgm:style>
+      <a:lnRef idx="2">
+        <a:scrgbClr r="0" g="0" b="0"/>
+      </a:lnRef>
+      <a:fillRef idx="1">
+        <a:scrgbClr r="0" g="0" b="0"/>
+      </a:fillRef>
+      <a:effectRef idx="0">
+        <a:scrgbClr r="0" g="0" b="0"/>
+      </a:effectRef>
+      <a:fontRef idx="minor">
+        <a:schemeClr val="lt1"/>
+      </a:fontRef>
+    </dgm:style>
+  </dgm:styleLbl>
+  <dgm:styleLbl name="fgImgPlace1">
+    <dgm:scene3d>
+      <a:camera prst="orthographicFront"/>
+      <a:lightRig rig="threePt" dir="t"/>
+    </dgm:scene3d>
+    <dgm:sp3d/>
+    <dgm:txPr/>
+    <dgm:style>
+      <a:lnRef idx="2">
+        <a:scrgbClr r="0" g="0" b="0"/>
+      </a:lnRef>
+      <a:fillRef idx="1">
+        <a:scrgbClr r="0" g="0" b="0"/>
+      </a:fillRef>
+      <a:effectRef idx="0">
+        <a:scrgbClr r="0" g="0" b="0"/>
+      </a:effectRef>
+      <a:fontRef idx="minor"/>
+    </dgm:style>
+  </dgm:styleLbl>
+  <dgm:styleLbl name="alignImgPlace1">
+    <dgm:scene3d>
+      <a:camera prst="orthographicFront"/>
+      <a:lightRig rig="threePt" dir="t"/>
+    </dgm:scene3d>
+    <dgm:sp3d/>
+    <dgm:txPr/>
+    <dgm:style>
+      <a:lnRef idx="2">
+        <a:scrgbClr r="0" g="0" b="0"/>
+      </a:lnRef>
+      <a:fillRef idx="1">
+        <a:scrgbClr r="0" g="0" b="0"/>
+      </a:fillRef>
+      <a:effectRef idx="0">
+        <a:scrgbClr r="0" g="0" b="0"/>
+      </a:effectRef>
+      <a:fontRef idx="minor"/>
+    </dgm:style>
+  </dgm:styleLbl>
+  <dgm:styleLbl name="bgImgPlace1">
+    <dgm:scene3d>
+      <a:camera prst="orthographicFront"/>
+      <a:lightRig rig="threePt" dir="t"/>
+    </dgm:scene3d>
+    <dgm:sp3d/>
+    <dgm:txPr/>
+    <dgm:style>
+      <a:lnRef idx="2">
+        <a:scrgbClr r="0" g="0" b="0"/>
+      </a:lnRef>
+      <a:fillRef idx="1">
+        <a:scrgbClr r="0" g="0" b="0"/>
+      </a:fillRef>
+      <a:effectRef idx="0">
+        <a:scrgbClr r="0" g="0" b="0"/>
+      </a:effectRef>
+      <a:fontRef idx="minor"/>
+    </dgm:style>
+  </dgm:styleLbl>
+  <dgm:styleLbl name="sibTrans2D1">
+    <dgm:scene3d>
+      <a:camera prst="orthographicFront"/>
+      <a:lightRig rig="threePt" dir="t"/>
+    </dgm:scene3d>
+    <dgm:sp3d/>
+    <dgm:txPr/>
+    <dgm:style>
+      <a:lnRef idx="0">
+        <a:scrgbClr r="0" g="0" b="0"/>
+      </a:lnRef>
+      <a:fillRef idx="1">
+        <a:scrgbClr r="0" g="0" b="0"/>
+      </a:fillRef>
+      <a:effectRef idx="0">
+        <a:scrgbClr r="0" g="0" b="0"/>
+      </a:effectRef>
+      <a:fontRef idx="minor">
+        <a:schemeClr val="lt1"/>
+      </a:fontRef>
+    </dgm:style>
+  </dgm:styleLbl>
+  <dgm:styleLbl name="fgSibTrans2D1">
+    <dgm:scene3d>
+      <a:camera prst="orthographicFront"/>
+      <a:lightRig rig="threePt" dir="t"/>
+    </dgm:scene3d>
+    <dgm:sp3d/>
+    <dgm:txPr/>
+    <dgm:style>
+      <a:lnRef idx="0">
+        <a:scrgbClr r="0" g="0" b="0"/>
+      </a:lnRef>
+      <a:fillRef idx="1">
+        <a:scrgbClr r="0" g="0" b="0"/>
+      </a:fillRef>
+      <a:effectRef idx="0">
+        <a:scrgbClr r="0" g="0" b="0"/>
+      </a:effectRef>
+      <a:fontRef idx="minor">
+        <a:schemeClr val="lt1"/>
+      </a:fontRef>
+    </dgm:style>
+  </dgm:styleLbl>
+  <dgm:styleLbl name="bgSibTrans2D1">
+    <dgm:scene3d>
+      <a:camera prst="orthographicFront"/>
+      <a:lightRig rig="threePt" dir="t"/>
+    </dgm:scene3d>
+    <dgm:sp3d/>
+    <dgm:txPr/>
+    <dgm:style>
+      <a:lnRef idx="0">
+        <a:scrgbClr r="0" g="0" b="0"/>
+      </a:lnRef>
+      <a:fillRef idx="1">
+        <a:scrgbClr r="0" g="0" b="0"/>
+      </a:fillRef>
+      <a:effectRef idx="0">
+        <a:scrgbClr r="0" g="0" b="0"/>
+      </a:effectRef>
+      <a:fontRef idx="minor">
+        <a:schemeClr val="lt1"/>
+      </a:fontRef>
+    </dgm:style>
+  </dgm:styleLbl>
+  <dgm:styleLbl name="sibTrans1D1">
+    <dgm:scene3d>
+      <a:camera prst="orthographicFront"/>
+      <a:lightRig rig="threePt" dir="t"/>
+    </dgm:scene3d>
+    <dgm:sp3d/>
+    <dgm:txPr/>
+    <dgm:style>
+      <a:lnRef idx="1">
+        <a:scrgbClr r="0" g="0" b="0"/>
+      </a:lnRef>
+      <a:fillRef idx="0">
+        <a:scrgbClr r="0" g="0" b="0"/>
+      </a:fillRef>
+      <a:effectRef idx="0">
+        <a:scrgbClr r="0" g="0" b="0"/>
+      </a:effectRef>
+      <a:fontRef idx="minor"/>
+    </dgm:style>
+  </dgm:styleLbl>
+  <dgm:styleLbl name="callout">
+    <dgm:scene3d>
+      <a:camera prst="orthographicFront"/>
+      <a:lightRig rig="threePt" dir="t"/>
+    </dgm:scene3d>
+    <dgm:sp3d/>
+    <dgm:txPr/>
+    <dgm:style>
+      <a:lnRef idx="2">
+        <a:scrgbClr r="0" g="0" b="0"/>
+      </a:lnRef>
+      <a:fillRef idx="1">
+        <a:scrgbClr r="0" g="0" b="0"/>
+      </a:fillRef>
+      <a:effectRef idx="0">
+        <a:scrgbClr r="0" g="0" b="0"/>
+      </a:effectRef>
+      <a:fontRef idx="minor"/>
+    </dgm:style>
+  </dgm:styleLbl>
+  <dgm:styleLbl name="asst0">
+    <dgm:scene3d>
+      <a:camera prst="orthographicFront"/>
+      <a:lightRig rig="threePt" dir="t"/>
+    </dgm:scene3d>
+    <dgm:sp3d/>
+    <dgm:txPr/>
+    <dgm:style>
+      <a:lnRef idx="2">
+        <a:scrgbClr r="0" g="0" b="0"/>
+      </a:lnRef>
+      <a:fillRef idx="1">
+        <a:scrgbClr r="0" g="0" b="0"/>
+      </a:fillRef>
+      <a:effectRef idx="0">
+        <a:scrgbClr r="0" g="0" b="0"/>
+      </a:effectRef>
+      <a:fontRef idx="minor">
+        <a:schemeClr val="lt1"/>
+      </a:fontRef>
+    </dgm:style>
+  </dgm:styleLbl>
+  <dgm:styleLbl name="asst1">
+    <dgm:scene3d>
+      <a:camera prst="orthographicFront"/>
+      <a:lightRig rig="threePt" dir="t"/>
+    </dgm:scene3d>
+    <dgm:sp3d/>
+    <dgm:txPr/>
+    <dgm:style>
+      <a:lnRef idx="2">
+        <a:scrgbClr r="0" g="0" b="0"/>
+      </a:lnRef>
+      <a:fillRef idx="1">
+        <a:scrgbClr r="0" g="0" b="0"/>
+      </a:fillRef>
+      <a:effectRef idx="0">
+        <a:scrgbClr r="0" g="0" b="0"/>
+      </a:effectRef>
+      <a:fontRef idx="minor">
+        <a:schemeClr val="lt1"/>
+      </a:fontRef>
+    </dgm:style>
+  </dgm:styleLbl>
+  <dgm:styleLbl name="asst2">
+    <dgm:scene3d>
+      <a:camera prst="orthographicFront"/>
+      <a:lightRig rig="threePt" dir="t"/>
+    </dgm:scene3d>
+    <dgm:sp3d/>
+    <dgm:txPr/>
+    <dgm:style>
+      <a:lnRef idx="2">
+        <a:scrgbClr r="0" g="0" b="0"/>
+      </a:lnRef>
+      <a:fillRef idx="1">
+        <a:scrgbClr r="0" g="0" b="0"/>
+      </a:fillRef>
+      <a:effectRef idx="0">
+        <a:scrgbClr r="0" g="0" b="0"/>
+      </a:effectRef>
+      <a:fontRef idx="minor">
+        <a:schemeClr val="lt1"/>
+      </a:fontRef>
+    </dgm:style>
+  </dgm:styleLbl>
+  <dgm:styleLbl name="asst3">
+    <dgm:scene3d>
+      <a:camera prst="orthographicFront"/>
+      <a:lightRig rig="threePt" dir="t"/>
+    </dgm:scene3d>
+    <dgm:sp3d/>
+    <dgm:txPr/>
+    <dgm:style>
+      <a:lnRef idx="2">
+        <a:scrgbClr r="0" g="0" b="0"/>
+      </a:lnRef>
+      <a:fillRef idx="1">
+        <a:scrgbClr r="0" g="0" b="0"/>
+      </a:fillRef>
+      <a:effectRef idx="0">
+        <a:scrgbClr r="0" g="0" b="0"/>
+      </a:effectRef>
+      <a:fontRef idx="minor">
+        <a:schemeClr val="lt1"/>
+      </a:fontRef>
+    </dgm:style>
+  </dgm:styleLbl>
+  <dgm:styleLbl name="asst4">
+    <dgm:scene3d>
+      <a:camera prst="orthographicFront"/>
+      <a:lightRig rig="threePt" dir="t"/>
+    </dgm:scene3d>
+    <dgm:sp3d/>
+    <dgm:txPr/>
+    <dgm:style>
+      <a:lnRef idx="2">
+        <a:scrgbClr r="0" g="0" b="0"/>
+      </a:lnRef>
+      <a:fillRef idx="1">
+        <a:scrgbClr r="0" g="0" b="0"/>
+      </a:fillRef>
+      <a:effectRef idx="0">
+        <a:scrgbClr r="0" g="0" b="0"/>
+      </a:effectRef>
+      <a:fontRef idx="minor">
+        <a:schemeClr val="lt1"/>
+      </a:fontRef>
+    </dgm:style>
+  </dgm:styleLbl>
+  <dgm:styleLbl name="parChTrans2D1">
+    <dgm:scene3d>
+      <a:camera prst="orthographicFront"/>
+      <a:lightRig rig="threePt" dir="t"/>
+    </dgm:scene3d>
+    <dgm:sp3d/>
+    <dgm:txPr/>
+    <dgm:style>
+      <a:lnRef idx="2">
+        <a:scrgbClr r="0" g="0" b="0"/>
+      </a:lnRef>
+      <a:fillRef idx="1">
+        <a:scrgbClr r="0" g="0" b="0"/>
+      </a:fillRef>
+      <a:effectRef idx="0">
+        <a:scrgbClr r="0" g="0" b="0"/>
+      </a:effectRef>
+      <a:fontRef idx="minor">
+        <a:schemeClr val="lt1"/>
+      </a:fontRef>
+    </dgm:style>
+  </dgm:styleLbl>
+  <dgm:styleLbl name="parChTrans2D2">
+    <dgm:scene3d>
+      <a:camera prst="orthographicFront"/>
+      <a:lightRig rig="threePt" dir="t"/>
+    </dgm:scene3d>
+    <dgm:sp3d/>
+    <dgm:txPr/>
+    <dgm:style>
+      <a:lnRef idx="2">
+        <a:scrgbClr r="0" g="0" b="0"/>
+      </a:lnRef>
+      <a:fillRef idx="1">
+        <a:scrgbClr r="0" g="0" b="0"/>
+      </a:fillRef>
+      <a:effectRef idx="0">
+        <a:scrgbClr r="0" g="0" b="0"/>
+      </a:effectRef>
+      <a:fontRef idx="minor">
+        <a:schemeClr val="lt1"/>
+      </a:fontRef>
+    </dgm:style>
+  </dgm:styleLbl>
+  <dgm:styleLbl name="parChTrans2D3">
+    <dgm:scene3d>
+      <a:camera prst="orthographicFront"/>
+      <a:lightRig rig="threePt" dir="t"/>
+    </dgm:scene3d>
+    <dgm:sp3d/>
+    <dgm:txPr/>
+    <dgm:style>
+      <a:lnRef idx="2">
+        <a:scrgbClr r="0" g="0" b="0"/>
+      </a:lnRef>
+      <a:fillRef idx="1">
+        <a:scrgbClr r="0" g="0" b="0"/>
+      </a:fillRef>
+      <a:effectRef idx="0">
+        <a:scrgbClr r="0" g="0" b="0"/>
+      </a:effectRef>
+      <a:fontRef idx="minor">
+        <a:schemeClr val="lt1"/>
+      </a:fontRef>
+    </dgm:style>
+  </dgm:styleLbl>
+  <dgm:styleLbl name="parChTrans2D4">
+    <dgm:scene3d>
+      <a:camera prst="orthographicFront"/>
+      <a:lightRig rig="threePt" dir="t"/>
+    </dgm:scene3d>
+    <dgm:sp3d/>
+    <dgm:txPr/>
+    <dgm:style>
+      <a:lnRef idx="2">
+        <a:scrgbClr r="0" g="0" b="0"/>
+      </a:lnRef>
+      <a:fillRef idx="1">
+        <a:scrgbClr r="0" g="0" b="0"/>
+      </a:fillRef>
+      <a:effectRef idx="0">
+        <a:scrgbClr r="0" g="0" b="0"/>
+      </a:effectRef>
+      <a:fontRef idx="minor">
+        <a:schemeClr val="lt1"/>
+      </a:fontRef>
+    </dgm:style>
+  </dgm:styleLbl>
+  <dgm:styleLbl name="parChTrans1D1">
+    <dgm:scene3d>
+      <a:camera prst="orthographicFront"/>
+      <a:lightRig rig="threePt" dir="t"/>
+    </dgm:scene3d>
+    <dgm:sp3d/>
+    <dgm:txPr/>
+    <dgm:style>
+      <a:lnRef idx="2">
+        <a:scrgbClr r="0" g="0" b="0"/>
+      </a:lnRef>
+      <a:fillRef idx="0">
+        <a:scrgbClr r="0" g="0" b="0"/>
+      </a:fillRef>
+      <a:effectRef idx="0">
+        <a:scrgbClr r="0" g="0" b="0"/>
+      </a:effectRef>
+      <a:fontRef idx="minor"/>
+    </dgm:style>
+  </dgm:styleLbl>
+  <dgm:styleLbl name="parChTrans1D2">
+    <dgm:scene3d>
+      <a:camera prst="orthographicFront"/>
+      <a:lightRig rig="threePt" dir="t"/>
+    </dgm:scene3d>
+    <dgm:sp3d/>
+    <dgm:txPr/>
+    <dgm:style>
+      <a:lnRef idx="2">
+        <a:scrgbClr r="0" g="0" b="0"/>
+      </a:lnRef>
+      <a:fillRef idx="0">
+        <a:scrgbClr r="0" g="0" b="0"/>
+      </a:fillRef>
+      <a:effectRef idx="0">
+        <a:scrgbClr r="0" g="0" b="0"/>
+      </a:effectRef>
+      <a:fontRef idx="minor"/>
+    </dgm:style>
+  </dgm:styleLbl>
+  <dgm:styleLbl name="parChTrans1D3">
+    <dgm:scene3d>
+      <a:camera prst="orthographicFront"/>
+      <a:lightRig rig="threePt" dir="t"/>
+    </dgm:scene3d>
+    <dgm:sp3d/>
+    <dgm:txPr/>
+    <dgm:style>
+      <a:lnRef idx="2">
+        <a:scrgbClr r="0" g="0" b="0"/>
+      </a:lnRef>
+      <a:fillRef idx="0">
+        <a:scrgbClr r="0" g="0" b="0"/>
+      </a:fillRef>
+      <a:effectRef idx="0">
+        <a:scrgbClr r="0" g="0" b="0"/>
+      </a:effectRef>
+      <a:fontRef idx="minor"/>
+    </dgm:style>
+  </dgm:styleLbl>
+  <dgm:styleLbl name="parChTrans1D4">
+    <dgm:scene3d>
+      <a:camera prst="orthographicFront"/>
+      <a:lightRig rig="threePt" dir="t"/>
+    </dgm:scene3d>
+    <dgm:sp3d/>
+    <dgm:txPr/>
+    <dgm:style>
+      <a:lnRef idx="2">
+        <a:scrgbClr r="0" g="0" b="0"/>
+      </a:lnRef>
+      <a:fillRef idx="0">
+        <a:scrgbClr r="0" g="0" b="0"/>
+      </a:fillRef>
+      <a:effectRef idx="0">
+        <a:scrgbClr r="0" g="0" b="0"/>
+      </a:effectRef>
+      <a:fontRef idx="minor"/>
+    </dgm:style>
+  </dgm:styleLbl>
+  <dgm:styleLbl name="fgAcc1">
+    <dgm:scene3d>
+      <a:camera prst="orthographicFront"/>
+      <a:lightRig rig="threePt" dir="t"/>
+    </dgm:scene3d>
+    <dgm:sp3d/>
+    <dgm:txPr/>
+    <dgm:style>
+      <a:lnRef idx="2">
+        <a:scrgbClr r="0" g="0" b="0"/>
+      </a:lnRef>
+      <a:fillRef idx="1">
+        <a:scrgbClr r="0" g="0" b="0"/>
+      </a:fillRef>
+      <a:effectRef idx="0">
+        <a:scrgbClr r="0" g="0" b="0"/>
+      </a:effectRef>
+      <a:fontRef idx="minor"/>
+    </dgm:style>
+  </dgm:styleLbl>
+  <dgm:styleLbl name="conFgAcc1">
+    <dgm:scene3d>
+      <a:camera prst="orthographicFront"/>
+      <a:lightRig rig="threePt" dir="t"/>
+    </dgm:scene3d>
+    <dgm:sp3d/>
+    <dgm:txPr/>
+    <dgm:style>
+      <a:lnRef idx="2">
+        <a:scrgbClr r="0" g="0" b="0"/>
+      </a:lnRef>
+      <a:fillRef idx="1">
+        <a:scrgbClr r="0" g="0" b="0"/>
+      </a:fillRef>
+      <a:effectRef idx="0">
+        <a:scrgbClr r="0" g="0" b="0"/>
+      </a:effectRef>
+      <a:fontRef idx="minor"/>
+    </dgm:style>
+  </dgm:styleLbl>
+  <dgm:styleLbl name="alignAcc1">
+    <dgm:scene3d>
+      <a:camera prst="orthographicFront"/>
+      <a:lightRig rig="threePt" dir="t"/>
+    </dgm:scene3d>
+    <dgm:sp3d/>
+    <dgm:txPr/>
+    <dgm:style>
+      <a:lnRef idx="2">
+        <a:scrgbClr r="0" g="0" b="0"/>
+      </a:lnRef>
+      <a:fillRef idx="1">
+        <a:scrgbClr r="0" g="0" b="0"/>
+      </a:fillRef>
+      <a:effectRef idx="0">
+        <a:scrgbClr r="0" g="0" b="0"/>
+      </a:effectRef>
+      <a:fontRef idx="minor"/>
+    </dgm:style>
+  </dgm:styleLbl>
+  <dgm:styleLbl name="trAlignAcc1">
+    <dgm:scene3d>
+      <a:camera prst="orthographicFront"/>
+      <a:lightRig rig="threePt" dir="t"/>
+    </dgm:scene3d>
+    <dgm:sp3d/>
+    <dgm:txPr/>
+    <dgm:style>
+      <a:lnRef idx="1">
+        <a:scrgbClr r="0" g="0" b="0"/>
+      </a:lnRef>
+      <a:fillRef idx="1">
+        <a:scrgbClr r="0" g="0" b="0"/>
+      </a:fillRef>
+      <a:effectRef idx="0">
+        <a:scrgbClr r="0" g="0" b="0"/>
+      </a:effectRef>
+      <a:fontRef idx="minor"/>
+    </dgm:style>
+  </dgm:styleLbl>
+  <dgm:styleLbl name="bgAcc1">
+    <dgm:scene3d>
+      <a:camera prst="orthographicFront"/>
+      <a:lightRig rig="threePt" dir="t"/>
+    </dgm:scene3d>
+    <dgm:sp3d/>
+    <dgm:txPr/>
+    <dgm:style>
+      <a:lnRef idx="2">
+        <a:scrgbClr r="0" g="0" b="0"/>
+      </a:lnRef>
+      <a:fillRef idx="1">
+        <a:scrgbClr r="0" g="0" b="0"/>
+      </a:fillRef>
+      <a:effectRef idx="0">
+        <a:scrgbClr r="0" g="0" b="0"/>
+      </a:effectRef>
+      <a:fontRef idx="minor"/>
+    </dgm:style>
+  </dgm:styleLbl>
+  <dgm:styleLbl name="solidFgAcc1">
+    <dgm:scene3d>
+      <a:camera prst="orthographicFront"/>
+      <a:lightRig rig="threePt" dir="t"/>
+    </dgm:scene3d>
+    <dgm:sp3d/>
+    <dgm:txPr/>
+    <dgm:style>
+      <a:lnRef idx="2">
+        <a:scrgbClr r="0" g="0" b="0"/>
+      </a:lnRef>
+      <a:fillRef idx="1">
+        <a:scrgbClr r="0" g="0" b="0"/>
+      </a:fillRef>
+      <a:effectRef idx="0">
+        <a:scrgbClr r="0" g="0" b="0"/>
+      </a:effectRef>
+      <a:fontRef idx="minor"/>
+    </dgm:style>
+  </dgm:styleLbl>
+  <dgm:styleLbl name="solidAlignAcc1">
+    <dgm:scene3d>
+      <a:camera prst="orthographicFront"/>
+      <a:lightRig rig="threePt" dir="t"/>
+    </dgm:scene3d>
+    <dgm:sp3d/>
+    <dgm:txPr/>
+    <dgm:style>
+      <a:lnRef idx="2">
+        <a:scrgbClr r="0" g="0" b="0"/>
+      </a:lnRef>
+      <a:fillRef idx="1">
+        <a:scrgbClr r="0" g="0" b="0"/>
+      </a:fillRef>
+      <a:effectRef idx="0">
+        <a:scrgbClr r="0" g="0" b="0"/>
+      </a:effectRef>
+      <a:fontRef idx="minor"/>
+    </dgm:style>
+  </dgm:styleLbl>
+  <dgm:styleLbl name="solidBgAcc1">
+    <dgm:scene3d>
+      <a:camera prst="orthographicFront"/>
+      <a:lightRig rig="threePt" dir="t"/>
+    </dgm:scene3d>
+    <dgm:sp3d/>
+    <dgm:txPr/>
+    <dgm:style>
+      <a:lnRef idx="2">
+        <a:scrgbClr r="0" g="0" b="0"/>
+      </a:lnRef>
+      <a:fillRef idx="1">
+        <a:scrgbClr r="0" g="0" b="0"/>
+      </a:fillRef>
+      <a:effectRef idx="0">
+        <a:scrgbClr r="0" g="0" b="0"/>
+      </a:effectRef>
+      <a:fontRef idx="minor"/>
+    </dgm:style>
+  </dgm:styleLbl>
+  <dgm:styleLbl name="fgAccFollowNode1">
+    <dgm:scene3d>
+      <a:camera prst="orthographicFront"/>
+      <a:lightRig rig="threePt" dir="t"/>
+    </dgm:scene3d>
+    <dgm:sp3d/>
+    <dgm:txPr/>
+    <dgm:style>
+      <a:lnRef idx="2">
+        <a:scrgbClr r="0" g="0" b="0"/>
+      </a:lnRef>
+      <a:fillRef idx="1">
+        <a:scrgbClr r="0" g="0" b="0"/>
+      </a:fillRef>
+      <a:effectRef idx="0">
+        <a:scrgbClr r="0" g="0" b="0"/>
+      </a:effectRef>
+      <a:fontRef idx="minor"/>
+    </dgm:style>
+  </dgm:styleLbl>
+  <dgm:styleLbl name="alignAccFollowNode1">
+    <dgm:scene3d>
+      <a:camera prst="orthographicFront"/>
+      <a:lightRig rig="threePt" dir="t"/>
+    </dgm:scene3d>
+    <dgm:sp3d/>
+    <dgm:txPr/>
+    <dgm:style>
+      <a:lnRef idx="2">
+        <a:scrgbClr r="0" g="0" b="0"/>
+      </a:lnRef>
+      <a:fillRef idx="1">
+        <a:scrgbClr r="0" g="0" b="0"/>
+      </a:fillRef>
+      <a:effectRef idx="0">
+        <a:scrgbClr r="0" g="0" b="0"/>
+      </a:effectRef>
+      <a:fontRef idx="minor"/>
+    </dgm:style>
+  </dgm:styleLbl>
+  <dgm:styleLbl name="bgAccFollowNode1">
+    <dgm:scene3d>
+      <a:camera prst="orthographicFront"/>
+      <a:lightRig rig="threePt" dir="t"/>
+    </dgm:scene3d>
+    <dgm:sp3d/>
+    <dgm:txPr/>
+    <dgm:style>
+      <a:lnRef idx="2">
+        <a:scrgbClr r="0" g="0" b="0"/>
+      </a:lnRef>
+      <a:fillRef idx="1">
+        <a:scrgbClr r="0" g="0" b="0"/>
+      </a:fillRef>
+      <a:effectRef idx="0">
+        <a:scrgbClr r="0" g="0" b="0"/>
+      </a:effectRef>
+      <a:fontRef idx="minor"/>
+    </dgm:style>
+  </dgm:styleLbl>
+  <dgm:styleLbl name="fgAcc0">
+    <dgm:scene3d>
+      <a:camera prst="orthographicFront"/>
+      <a:lightRig rig="threePt" dir="t"/>
+    </dgm:scene3d>
+    <dgm:sp3d/>
+    <dgm:txPr/>
+    <dgm:style>
+      <a:lnRef idx="2">
+        <a:scrgbClr r="0" g="0" b="0"/>
+      </a:lnRef>
+      <a:fillRef idx="1">
+        <a:scrgbClr r="0" g="0" b="0"/>
+      </a:fillRef>
+      <a:effectRef idx="0">
+        <a:scrgbClr r="0" g="0" b="0"/>
+      </a:effectRef>
+      <a:fontRef idx="minor"/>
+    </dgm:style>
+  </dgm:styleLbl>
+  <dgm:styleLbl name="fgAcc2">
+    <dgm:scene3d>
+      <a:camera prst="orthographicFront"/>
+      <a:lightRig rig="threePt" dir="t"/>
+    </dgm:scene3d>
+    <dgm:sp3d/>
+    <dgm:txPr/>
+    <dgm:style>
+      <a:lnRef idx="2">
+        <a:scrgbClr r="0" g="0" b="0"/>
+      </a:lnRef>
+      <a:fillRef idx="1">
+        <a:scrgbClr r="0" g="0" b="0"/>
+      </a:fillRef>
+      <a:effectRef idx="0">
+        <a:scrgbClr r="0" g="0" b="0"/>
+      </a:effectRef>
+      <a:fontRef idx="minor"/>
+    </dgm:style>
+  </dgm:styleLbl>
+  <dgm:styleLbl name="fgAcc3">
+    <dgm:scene3d>
+      <a:camera prst="orthographicFront"/>
+      <a:lightRig rig="threePt" dir="t"/>
+    </dgm:scene3d>
+    <dgm:sp3d/>
+    <dgm:txPr/>
+    <dgm:style>
+      <a:lnRef idx="2">
+        <a:scrgbClr r="0" g="0" b="0"/>
+      </a:lnRef>
+      <a:fillRef idx="1">
+        <a:scrgbClr r="0" g="0" b="0"/>
+      </a:fillRef>
+      <a:effectRef idx="0">
+        <a:scrgbClr r="0" g="0" b="0"/>
+      </a:effectRef>
+      <a:fontRef idx="minor"/>
+    </dgm:style>
+  </dgm:styleLbl>
+  <dgm:styleLbl name="fgAcc4">
+    <dgm:scene3d>
+      <a:camera prst="orthographicFront"/>
+      <a:lightRig rig="threePt" dir="t"/>
+    </dgm:scene3d>
+    <dgm:sp3d/>
+    <dgm:txPr/>
+    <dgm:style>
+      <a:lnRef idx="2">
+        <a:scrgbClr r="0" g="0" b="0"/>
+      </a:lnRef>
+      <a:fillRef idx="1">
+        <a:scrgbClr r="0" g="0" b="0"/>
+      </a:fillRef>
+      <a:effectRef idx="0">
+        <a:scrgbClr r="0" g="0" b="0"/>
+      </a:effectRef>
+      <a:fontRef idx="minor"/>
+    </dgm:style>
+  </dgm:styleLbl>
+  <dgm:styleLbl name="bgShp">
+    <dgm:scene3d>
+      <a:camera prst="orthographicFront"/>
+      <a:lightRig rig="threePt" dir="t"/>
+    </dgm:scene3d>
+    <dgm:sp3d/>
+    <dgm:txPr/>
+    <dgm:style>
+      <a:lnRef idx="0">
+        <a:scrgbClr r="0" g="0" b="0"/>
+      </a:lnRef>
+      <a:fillRef idx="1">
+        <a:scrgbClr r="0" g="0" b="0"/>
+      </a:fillRef>
+      <a:effectRef idx="0">
+        <a:scrgbClr r="0" g="0" b="0"/>
+      </a:effectRef>
+      <a:fontRef idx="minor"/>
+    </dgm:style>
+  </dgm:styleLbl>
+  <dgm:styleLbl name="dkBgShp">
+    <dgm:scene3d>
+      <a:camera prst="orthographicFront"/>
+      <a:lightRig rig="threePt" dir="t"/>
+    </dgm:scene3d>
+    <dgm:sp3d/>
+    <dgm:txPr/>
+    <dgm:style>
+      <a:lnRef idx="0">
+        <a:scrgbClr r="0" g="0" b="0"/>
+      </a:lnRef>
+      <a:fillRef idx="1">
+        <a:scrgbClr r="0" g="0" b="0"/>
+      </a:fillRef>
+      <a:effectRef idx="0">
+        <a:scrgbClr r="0" g="0" b="0"/>
+      </a:effectRef>
+      <a:fontRef idx="minor"/>
+    </dgm:style>
+  </dgm:styleLbl>
+  <dgm:styleLbl name="trBgShp">
+    <dgm:scene3d>
+      <a:camera prst="orthographicFront"/>
+      <a:lightRig rig="threePt" dir="t"/>
+    </dgm:scene3d>
+    <dgm:sp3d/>
+    <dgm:txPr/>
+    <dgm:style>
+      <a:lnRef idx="0">
+        <a:scrgbClr r="0" g="0" b="0"/>
+      </a:lnRef>
+      <a:fillRef idx="1">
+        <a:scrgbClr r="0" g="0" b="0"/>
+      </a:fillRef>
+      <a:effectRef idx="0">
+        <a:scrgbClr r="0" g="0" b="0"/>
+      </a:effectRef>
+      <a:fontRef idx="minor"/>
+    </dgm:style>
+  </dgm:styleLbl>
+  <dgm:styleLbl name="fgShp">
+    <dgm:scene3d>
+      <a:camera prst="orthographicFront"/>
+      <a:lightRig rig="threePt" dir="t"/>
+    </dgm:scene3d>
+    <dgm:sp3d/>
+    <dgm:txPr/>
+    <dgm:style>
+      <a:lnRef idx="2">
+        <a:scrgbClr r="0" g="0" b="0"/>
+      </a:lnRef>
+      <a:fillRef idx="1">
+        <a:scrgbClr r="0" g="0" b="0"/>
+      </a:fillRef>
+      <a:effectRef idx="0">
+        <a:scrgbClr r="0" g="0" b="0"/>
+      </a:effectRef>
+      <a:fontRef idx="minor"/>
+    </dgm:style>
+  </dgm:styleLbl>
+  <dgm:styleLbl name="revTx">
+    <dgm:scene3d>
+      <a:camera prst="orthographicFront"/>
+      <a:lightRig rig="threePt" dir="t"/>
+    </dgm:scene3d>
+    <dgm:sp3d/>
+    <dgm:txPr/>
+    <dgm:style>
+      <a:lnRef idx="0">
+        <a:scrgbClr r="0" g="0" b="0"/>
+      </a:lnRef>
+      <a:fillRef idx="0">
+        <a:scrgbClr r="0" g="0" b="0"/>
+      </a:fillRef>
+      <a:effectRef idx="0">
+        <a:scrgbClr r="0" g="0" b="0"/>
+      </a:effectRef>
+      <a:fontRef idx="minor"/>
+    </dgm:style>
+  </dgm:styleLbl>
+</dgm:styleDef>
+</file>
+
 <file path=ppt/slideLayouts/slideLayout1.xml><?xml version="1.0" encoding="utf-8"?>
 <p:sldLayout xmlns:a="http://schemas.openxmlformats.org/drawingml/2006/main" xmlns:r="http://schemas.openxmlformats.org/officeDocument/2006/relationships" xmlns:p="http://schemas.openxmlformats.org/presentationml/2006/main" showMasterSp="0" type="title" preserve="1">
   <p:cSld name="Title Slide">
@@ -395,7 +3755,7 @@
             <a:fld id="{9D21D778-B565-4D7E-94D7-64010A445B68}" type="datetimeFigureOut">
               <a:rPr lang="en-US" smtClean="0"/>
               <a:pPr eaLnBrk="1" latinLnBrk="0" hangingPunct="1"/>
-              <a:t>12/1/2011</a:t>
+              <a:t>12/5/2011</a:t>
             </a:fld>
             <a:endParaRPr lang="en-US"/>
           </a:p>
@@ -624,7 +3984,7 @@
           <a:p>
             <a:fld id="{2C6B1FF6-39B9-40F5-8B67-33C6354A3D4F}" type="slidenum">
               <a:rPr kumimoji="0" lang="en-US" smtClean="0"/>
-              <a:pPr eaLnBrk="1" latinLnBrk="0" hangingPunct="1"/>
+              <a:pPr/>
               <a:t>‹#›</a:t>
             </a:fld>
             <a:endParaRPr kumimoji="0" lang="en-US" dirty="0">
@@ -797,7 +4157,7 @@
             <a:fld id="{9D21D778-B565-4D7E-94D7-64010A445B68}" type="datetimeFigureOut">
               <a:rPr lang="en-US" smtClean="0"/>
               <a:pPr eaLnBrk="1" latinLnBrk="0" hangingPunct="1"/>
-              <a:t>12/1/2011</a:t>
+              <a:t>12/5/2011</a:t>
             </a:fld>
             <a:endParaRPr lang="en-US"/>
           </a:p>
@@ -839,7 +4199,7 @@
           <a:p>
             <a:fld id="{2C6B1FF6-39B9-40F5-8B67-33C6354A3D4F}" type="slidenum">
               <a:rPr kumimoji="0" lang="en-US" smtClean="0"/>
-              <a:pPr eaLnBrk="1" latinLnBrk="0" hangingPunct="1"/>
+              <a:pPr/>
               <a:t>‹#›</a:t>
             </a:fld>
             <a:endParaRPr kumimoji="0" lang="en-US"/>
@@ -1250,7 +4610,7 @@
           <a:p>
             <a:fld id="{2C6B1FF6-39B9-40F5-8B67-33C6354A3D4F}" type="slidenum">
               <a:rPr kumimoji="0" lang="en-US" smtClean="0"/>
-              <a:pPr eaLnBrk="1" latinLnBrk="0" hangingPunct="1"/>
+              <a:pPr/>
               <a:t>‹#›</a:t>
             </a:fld>
             <a:endParaRPr kumimoji="0" lang="en-US" dirty="0"/>
@@ -1333,7 +4693,7 @@
             <a:fld id="{9D21D778-B565-4D7E-94D7-64010A445B68}" type="datetimeFigureOut">
               <a:rPr lang="en-US" smtClean="0"/>
               <a:pPr eaLnBrk="1" latinLnBrk="0" hangingPunct="1"/>
-              <a:t>12/1/2011</a:t>
+              <a:t>12/5/2011</a:t>
             </a:fld>
             <a:endParaRPr lang="en-US"/>
           </a:p>
@@ -1468,7 +4828,7 @@
             <a:fld id="{9D21D778-B565-4D7E-94D7-64010A445B68}" type="datetimeFigureOut">
               <a:rPr lang="en-US" smtClean="0"/>
               <a:pPr eaLnBrk="1" latinLnBrk="0" hangingPunct="1"/>
-              <a:t>12/1/2011</a:t>
+              <a:t>12/5/2011</a:t>
             </a:fld>
             <a:endParaRPr lang="en-US"/>
           </a:p>
@@ -1515,7 +4875,7 @@
           <a:p>
             <a:fld id="{2C6B1FF6-39B9-40F5-8B67-33C6354A3D4F}" type="slidenum">
               <a:rPr kumimoji="0" lang="en-US" smtClean="0"/>
-              <a:pPr eaLnBrk="1" latinLnBrk="0" hangingPunct="1"/>
+              <a:pPr/>
               <a:t>‹#›</a:t>
             </a:fld>
             <a:endParaRPr kumimoji="0" lang="en-US" dirty="0"/>
@@ -2014,7 +5374,7 @@
             <a:fld id="{9D21D778-B565-4D7E-94D7-64010A445B68}" type="datetimeFigureOut">
               <a:rPr lang="en-US" smtClean="0"/>
               <a:pPr eaLnBrk="1" latinLnBrk="0" hangingPunct="1"/>
-              <a:t>12/1/2011</a:t>
+              <a:t>12/5/2011</a:t>
             </a:fld>
             <a:endParaRPr lang="en-US"/>
           </a:p>
@@ -2186,7 +5546,7 @@
           <a:p>
             <a:fld id="{2C6B1FF6-39B9-40F5-8B67-33C6354A3D4F}" type="slidenum">
               <a:rPr kumimoji="0" lang="en-US" smtClean="0"/>
-              <a:pPr eaLnBrk="1" latinLnBrk="0" hangingPunct="1"/>
+              <a:pPr/>
               <a:t>‹#›</a:t>
             </a:fld>
             <a:endParaRPr kumimoji="0" lang="en-US" dirty="0">
@@ -2318,7 +5678,7 @@
             <a:fld id="{9D21D778-B565-4D7E-94D7-64010A445B68}" type="datetimeFigureOut">
               <a:rPr lang="en-US" smtClean="0"/>
               <a:pPr eaLnBrk="1" latinLnBrk="0" hangingPunct="1"/>
-              <a:t>12/1/2011</a:t>
+              <a:t>12/5/2011</a:t>
             </a:fld>
             <a:endParaRPr lang="en-US"/>
           </a:p>
@@ -2360,7 +5720,7 @@
           <a:p>
             <a:fld id="{2C6B1FF6-39B9-40F5-8B67-33C6354A3D4F}" type="slidenum">
               <a:rPr kumimoji="0" lang="en-US" smtClean="0"/>
-              <a:pPr eaLnBrk="1" latinLnBrk="0" hangingPunct="1"/>
+              <a:pPr/>
               <a:t>‹#›</a:t>
             </a:fld>
             <a:endParaRPr kumimoji="0" lang="en-US"/>
@@ -2980,7 +6340,7 @@
             <a:fld id="{9D21D778-B565-4D7E-94D7-64010A445B68}" type="datetimeFigureOut">
               <a:rPr lang="en-US" smtClean="0"/>
               <a:pPr eaLnBrk="1" latinLnBrk="0" hangingPunct="1"/>
-              <a:t>12/1/2011</a:t>
+              <a:t>12/5/2011</a:t>
             </a:fld>
             <a:endParaRPr lang="en-US"/>
           </a:p>
@@ -3420,7 +6780,7 @@
             <a:fld id="{9D21D778-B565-4D7E-94D7-64010A445B68}" type="datetimeFigureOut">
               <a:rPr lang="en-US" smtClean="0"/>
               <a:pPr eaLnBrk="1" latinLnBrk="0" hangingPunct="1"/>
-              <a:t>12/1/2011</a:t>
+              <a:t>12/5/2011</a:t>
             </a:fld>
             <a:endParaRPr lang="en-US"/>
           </a:p>
@@ -3467,7 +6827,7 @@
           <a:p>
             <a:fld id="{2C6B1FF6-39B9-40F5-8B67-33C6354A3D4F}" type="slidenum">
               <a:rPr kumimoji="0" lang="en-US" smtClean="0"/>
-              <a:pPr eaLnBrk="1" latinLnBrk="0" hangingPunct="1"/>
+              <a:pPr/>
               <a:t>‹#›</a:t>
             </a:fld>
             <a:endParaRPr kumimoji="0" lang="en-US" dirty="0"/>
@@ -3736,7 +7096,7 @@
             <a:fld id="{9D21D778-B565-4D7E-94D7-64010A445B68}" type="datetimeFigureOut">
               <a:rPr lang="en-US" smtClean="0"/>
               <a:pPr eaLnBrk="1" latinLnBrk="0" hangingPunct="1"/>
-              <a:t>12/1/2011</a:t>
+              <a:t>12/5/2011</a:t>
             </a:fld>
             <a:endParaRPr lang="en-US"/>
           </a:p>
@@ -3791,7 +7151,7 @@
           <a:p>
             <a:fld id="{2C6B1FF6-39B9-40F5-8B67-33C6354A3D4F}" type="slidenum">
               <a:rPr kumimoji="0" lang="en-US" smtClean="0"/>
-              <a:pPr eaLnBrk="1" latinLnBrk="0" hangingPunct="1"/>
+              <a:pPr/>
               <a:t>‹#›</a:t>
             </a:fld>
             <a:endParaRPr kumimoji="0" lang="en-US" dirty="0">
@@ -4414,7 +7774,7 @@
           <a:p>
             <a:fld id="{2C6B1FF6-39B9-40F5-8B67-33C6354A3D4F}" type="slidenum">
               <a:rPr kumimoji="0" lang="en-US" smtClean="0"/>
-              <a:pPr eaLnBrk="1" latinLnBrk="0" hangingPunct="1"/>
+              <a:pPr/>
               <a:t>‹#›</a:t>
             </a:fld>
             <a:endParaRPr kumimoji="0" lang="en-US" dirty="0">
@@ -4482,7 +7842,7 @@
             <a:fld id="{9D21D778-B565-4D7E-94D7-64010A445B68}" type="datetimeFigureOut">
               <a:rPr lang="en-US" smtClean="0"/>
               <a:pPr eaLnBrk="1" latinLnBrk="0" hangingPunct="1"/>
-              <a:t>12/1/2011</a:t>
+              <a:t>12/5/2011</a:t>
             </a:fld>
             <a:endParaRPr lang="en-US"/>
           </a:p>
@@ -4957,7 +8317,7 @@
           <a:p>
             <a:fld id="{2C6B1FF6-39B9-40F5-8B67-33C6354A3D4F}" type="slidenum">
               <a:rPr kumimoji="0" lang="en-US" smtClean="0"/>
-              <a:pPr eaLnBrk="1" latinLnBrk="0" hangingPunct="1"/>
+              <a:pPr/>
               <a:t>‹#›</a:t>
             </a:fld>
             <a:endParaRPr kumimoji="0" lang="en-US" dirty="0"/>
@@ -5149,7 +8509,7 @@
             <a:fld id="{9D21D778-B565-4D7E-94D7-64010A445B68}" type="datetimeFigureOut">
               <a:rPr lang="en-US" smtClean="0"/>
               <a:pPr eaLnBrk="1" latinLnBrk="0" hangingPunct="1"/>
-              <a:t>12/1/2011</a:t>
+              <a:t>12/5/2011</a:t>
             </a:fld>
             <a:endParaRPr lang="en-US" dirty="0"/>
           </a:p>
@@ -5424,7 +8784,7 @@
             <a:fld id="{9D21D778-B565-4D7E-94D7-64010A445B68}" type="datetimeFigureOut">
               <a:rPr lang="en-US" smtClean="0"/>
               <a:pPr algn="r" eaLnBrk="1" latinLnBrk="0" hangingPunct="1"/>
-              <a:t>12/1/2011</a:t>
+              <a:t>12/5/2011</a:t>
             </a:fld>
             <a:endParaRPr lang="en-US" sz="1400" dirty="0">
               <a:solidFill>
@@ -6221,13 +9581,573 @@
     </p:spTree>
     <p:extLst>
       <p:ext uri="{BB962C8B-B14F-4D97-AF65-F5344CB8AC3E}">
-        <p14:creationId xmlns:p14="http://schemas.microsoft.com/office/powerpoint/2010/main" val="79848344"/>
+        <p14:creationId xmlns:p14="http://schemas.microsoft.com/office/powerpoint/2010/main" xmlns="" val="79848344"/>
       </p:ext>
     </p:extLst>
   </p:cSld>
   <p:clrMapOvr>
     <a:masterClrMapping/>
   </p:clrMapOvr>
+  <p:timing>
+    <p:tnLst>
+      <p:par>
+        <p:cTn id="1" dur="indefinite" restart="never" nodeType="tmRoot"/>
+      </p:par>
+    </p:tnLst>
+  </p:timing>
+</p:sld>
+</file>
+
+<file path=ppt/slides/slide10.xml><?xml version="1.0" encoding="utf-8"?>
+<p:sld xmlns:a="http://schemas.openxmlformats.org/drawingml/2006/main" xmlns:r="http://schemas.openxmlformats.org/officeDocument/2006/relationships" xmlns:p="http://schemas.openxmlformats.org/presentationml/2006/main">
+  <p:cSld>
+    <p:spTree>
+      <p:nvGrpSpPr>
+        <p:cNvPr id="1" name=""/>
+        <p:cNvGrpSpPr/>
+        <p:nvPr/>
+      </p:nvGrpSpPr>
+      <p:grpSpPr>
+        <a:xfrm>
+          <a:off x="0" y="0"/>
+          <a:ext cx="0" cy="0"/>
+          <a:chOff x="0" y="0"/>
+          <a:chExt cx="0" cy="0"/>
+        </a:xfrm>
+      </p:grpSpPr>
+      <p:sp>
+        <p:nvSpPr>
+          <p:cNvPr id="2" name="Title 1"/>
+          <p:cNvSpPr>
+            <a:spLocks noGrp="1"/>
+          </p:cNvSpPr>
+          <p:nvPr>
+            <p:ph type="title"/>
+          </p:nvPr>
+        </p:nvSpPr>
+        <p:spPr/>
+        <p:txBody>
+          <a:bodyPr/>
+          <a:lstStyle/>
+          <a:p>
+            <a:r>
+              <a:rPr lang="en-US" dirty="0" smtClean="0"/>
+              <a:t>CALCULATION FUNCTION</a:t>
+            </a:r>
+            <a:endParaRPr lang="en-US" dirty="0"/>
+          </a:p>
+        </p:txBody>
+      </p:sp>
+      <p:sp>
+        <p:nvSpPr>
+          <p:cNvPr id="3" name="Content Placeholder 2"/>
+          <p:cNvSpPr>
+            <a:spLocks noGrp="1"/>
+          </p:cNvSpPr>
+          <p:nvPr>
+            <p:ph sz="quarter" idx="1"/>
+          </p:nvPr>
+        </p:nvSpPr>
+        <p:spPr>
+          <a:xfrm>
+            <a:off x="301752" y="1527048"/>
+            <a:ext cx="8503920" cy="4858254"/>
+          </a:xfrm>
+        </p:spPr>
+        <p:txBody>
+          <a:bodyPr>
+            <a:normAutofit fontScale="77500" lnSpcReduction="20000"/>
+          </a:bodyPr>
+          <a:lstStyle/>
+          <a:p>
+            <a:r>
+              <a:rPr lang="en-US" dirty="0" smtClean="0"/>
+              <a:t>User never sees this function</a:t>
+            </a:r>
+          </a:p>
+          <a:p>
+            <a:r>
+              <a:rPr lang="en-US" dirty="0" smtClean="0"/>
+              <a:t>For now only includes Gaussian, Triangular, and </a:t>
+            </a:r>
+            <a:r>
+              <a:rPr lang="en-US" dirty="0" err="1" smtClean="0"/>
+              <a:t>Unifrom</a:t>
+            </a:r>
+            <a:r>
+              <a:rPr lang="en-US" dirty="0" smtClean="0"/>
+              <a:t> methods</a:t>
+            </a:r>
+          </a:p>
+          <a:p>
+            <a:pPr>
+              <a:buNone/>
+            </a:pPr>
+            <a:endParaRPr lang="en-US" dirty="0" smtClean="0"/>
+          </a:p>
+          <a:p>
+            <a:pPr>
+              <a:buNone/>
+            </a:pPr>
+            <a:r>
+              <a:rPr lang="en-US" dirty="0" smtClean="0"/>
+              <a:t>def calculation (mu, xi, sig, method)</a:t>
+            </a:r>
+          </a:p>
+          <a:p>
+            <a:pPr>
+              <a:buNone/>
+            </a:pPr>
+            <a:r>
+              <a:rPr lang="en-US" dirty="0" smtClean="0"/>
+              <a:t>	</a:t>
+            </a:r>
+            <a:r>
+              <a:rPr lang="en-US" dirty="0" smtClean="0"/>
+              <a:t>	if method is Gaussian</a:t>
+            </a:r>
+          </a:p>
+          <a:p>
+            <a:pPr>
+              <a:buNone/>
+            </a:pPr>
+            <a:r>
+              <a:rPr lang="en-US" dirty="0" smtClean="0"/>
+              <a:t>	</a:t>
+            </a:r>
+            <a:r>
+              <a:rPr lang="en-US" dirty="0" smtClean="0"/>
+              <a:t>	    run the </a:t>
+            </a:r>
+            <a:r>
+              <a:rPr lang="en-US" dirty="0" smtClean="0"/>
+              <a:t>G</a:t>
+            </a:r>
+            <a:r>
+              <a:rPr lang="en-US" dirty="0" smtClean="0"/>
+              <a:t>aussian calculation for given inputs</a:t>
+            </a:r>
+          </a:p>
+          <a:p>
+            <a:pPr>
+              <a:buNone/>
+            </a:pPr>
+            <a:r>
+              <a:rPr lang="en-US" dirty="0" smtClean="0"/>
+              <a:t>	</a:t>
+            </a:r>
+            <a:r>
+              <a:rPr lang="en-US" dirty="0" smtClean="0"/>
+              <a:t>	</a:t>
+            </a:r>
+          </a:p>
+          <a:p>
+            <a:pPr>
+              <a:buNone/>
+            </a:pPr>
+            <a:r>
+              <a:rPr lang="en-US" dirty="0" smtClean="0"/>
+              <a:t>	</a:t>
+            </a:r>
+            <a:r>
+              <a:rPr lang="en-US" dirty="0" smtClean="0"/>
+              <a:t>	</a:t>
+            </a:r>
+            <a:r>
+              <a:rPr lang="en-US" dirty="0" err="1" smtClean="0"/>
+              <a:t>elif</a:t>
+            </a:r>
+            <a:r>
+              <a:rPr lang="en-US" dirty="0" smtClean="0"/>
+              <a:t> method is Triangular</a:t>
+            </a:r>
+          </a:p>
+          <a:p>
+            <a:pPr>
+              <a:buNone/>
+            </a:pPr>
+            <a:r>
+              <a:rPr lang="en-US" dirty="0" smtClean="0"/>
+              <a:t>	</a:t>
+            </a:r>
+            <a:r>
+              <a:rPr lang="en-US" dirty="0" smtClean="0"/>
+              <a:t>	    is the grid point within the bandwidth?</a:t>
+            </a:r>
+          </a:p>
+          <a:p>
+            <a:pPr>
+              <a:buNone/>
+            </a:pPr>
+            <a:r>
+              <a:rPr lang="en-US" dirty="0" smtClean="0"/>
+              <a:t>	</a:t>
+            </a:r>
+            <a:r>
+              <a:rPr lang="en-US" dirty="0" smtClean="0"/>
+              <a:t>	        run the triangular calculation for given inputs</a:t>
+            </a:r>
+          </a:p>
+          <a:p>
+            <a:pPr>
+              <a:buNone/>
+            </a:pPr>
+            <a:endParaRPr lang="en-US" dirty="0" smtClean="0"/>
+          </a:p>
+          <a:p>
+            <a:pPr>
+              <a:buNone/>
+            </a:pPr>
+            <a:r>
+              <a:rPr lang="en-US" dirty="0" smtClean="0"/>
+              <a:t>		</a:t>
+            </a:r>
+            <a:r>
+              <a:rPr lang="en-US" dirty="0" err="1" smtClean="0"/>
+              <a:t>elif</a:t>
+            </a:r>
+            <a:r>
+              <a:rPr lang="en-US" dirty="0" smtClean="0"/>
+              <a:t> method is </a:t>
+            </a:r>
+            <a:r>
+              <a:rPr lang="en-US" dirty="0" err="1" smtClean="0"/>
+              <a:t>Unifrom</a:t>
+            </a:r>
+            <a:endParaRPr lang="en-US" dirty="0" smtClean="0"/>
+          </a:p>
+          <a:p>
+            <a:pPr>
+              <a:buNone/>
+            </a:pPr>
+            <a:r>
+              <a:rPr lang="en-US" dirty="0" smtClean="0"/>
+              <a:t>	</a:t>
+            </a:r>
+            <a:r>
+              <a:rPr lang="en-US" dirty="0" smtClean="0"/>
+              <a:t>	    is the grid point within the bandwidth?</a:t>
+            </a:r>
+          </a:p>
+          <a:p>
+            <a:pPr>
+              <a:buNone/>
+            </a:pPr>
+            <a:r>
+              <a:rPr lang="en-US" dirty="0" smtClean="0"/>
+              <a:t>	</a:t>
+            </a:r>
+            <a:r>
+              <a:rPr lang="en-US" dirty="0" smtClean="0"/>
+              <a:t>	        run the uniform calculation for given inputs </a:t>
+            </a:r>
+            <a:endParaRPr lang="en-US" dirty="0"/>
+          </a:p>
+        </p:txBody>
+      </p:sp>
+    </p:spTree>
+  </p:cSld>
+  <p:clrMapOvr>
+    <a:masterClrMapping/>
+  </p:clrMapOvr>
+  <p:timing>
+    <p:tnLst>
+      <p:par>
+        <p:cTn id="1" dur="indefinite" restart="never" nodeType="tmRoot"/>
+      </p:par>
+    </p:tnLst>
+  </p:timing>
+</p:sld>
+</file>
+
+<file path=ppt/slides/slide11.xml><?xml version="1.0" encoding="utf-8"?>
+<p:sld xmlns:a="http://schemas.openxmlformats.org/drawingml/2006/main" xmlns:r="http://schemas.openxmlformats.org/officeDocument/2006/relationships" xmlns:p="http://schemas.openxmlformats.org/presentationml/2006/main">
+  <p:cSld>
+    <p:spTree>
+      <p:nvGrpSpPr>
+        <p:cNvPr id="1" name=""/>
+        <p:cNvGrpSpPr/>
+        <p:nvPr/>
+      </p:nvGrpSpPr>
+      <p:grpSpPr>
+        <a:xfrm>
+          <a:off x="0" y="0"/>
+          <a:ext cx="0" cy="0"/>
+          <a:chOff x="0" y="0"/>
+          <a:chExt cx="0" cy="0"/>
+        </a:xfrm>
+      </p:grpSpPr>
+      <p:sp>
+        <p:nvSpPr>
+          <p:cNvPr id="2" name="Title 1"/>
+          <p:cNvSpPr>
+            <a:spLocks noGrp="1"/>
+          </p:cNvSpPr>
+          <p:nvPr>
+            <p:ph type="title"/>
+          </p:nvPr>
+        </p:nvSpPr>
+        <p:spPr/>
+        <p:txBody>
+          <a:bodyPr/>
+          <a:lstStyle/>
+          <a:p>
+            <a:r>
+              <a:rPr lang="en-US" dirty="0" smtClean="0"/>
+              <a:t>KERNEL DENSITY FUNCTIONS</a:t>
+            </a:r>
+            <a:endParaRPr lang="en-US" dirty="0"/>
+          </a:p>
+        </p:txBody>
+      </p:sp>
+      <p:sp>
+        <p:nvSpPr>
+          <p:cNvPr id="3" name="Content Placeholder 2"/>
+          <p:cNvSpPr>
+            <a:spLocks noGrp="1"/>
+          </p:cNvSpPr>
+          <p:nvPr>
+            <p:ph sz="quarter" idx="1"/>
+          </p:nvPr>
+        </p:nvSpPr>
+        <p:spPr/>
+        <p:txBody>
+          <a:bodyPr>
+            <a:normAutofit fontScale="92500" lnSpcReduction="10000"/>
+          </a:bodyPr>
+          <a:lstStyle/>
+          <a:p>
+            <a:r>
+              <a:rPr lang="en-US" dirty="0" smtClean="0"/>
+              <a:t>Three “grid” functions are available to run on a variable k that is class Kernel:</a:t>
+            </a:r>
+          </a:p>
+          <a:p>
+            <a:pPr lvl="1"/>
+            <a:r>
+              <a:rPr lang="en-US" dirty="0" err="1" smtClean="0"/>
+              <a:t>k.gaussian</a:t>
+            </a:r>
+            <a:r>
+              <a:rPr lang="en-US" dirty="0" smtClean="0"/>
+              <a:t>()</a:t>
+            </a:r>
+          </a:p>
+          <a:p>
+            <a:pPr lvl="1"/>
+            <a:r>
+              <a:rPr lang="en-US" dirty="0" err="1" smtClean="0"/>
+              <a:t>k.triangular</a:t>
+            </a:r>
+            <a:r>
+              <a:rPr lang="en-US" dirty="0" smtClean="0"/>
+              <a:t>()</a:t>
+            </a:r>
+          </a:p>
+          <a:p>
+            <a:pPr lvl="1"/>
+            <a:r>
+              <a:rPr lang="en-US" dirty="0" err="1" smtClean="0"/>
+              <a:t>k.uniform</a:t>
+            </a:r>
+            <a:r>
+              <a:rPr lang="en-US" dirty="0" smtClean="0"/>
+              <a:t>()</a:t>
+            </a:r>
+          </a:p>
+          <a:p>
+            <a:r>
+              <a:rPr lang="en-US" dirty="0" smtClean="0"/>
+              <a:t>Three “point” functions are also available</a:t>
+            </a:r>
+          </a:p>
+          <a:p>
+            <a:pPr lvl="1"/>
+            <a:r>
+              <a:rPr lang="en-US" dirty="0" err="1" smtClean="0"/>
+              <a:t>k.gaussian_point</a:t>
+            </a:r>
+            <a:r>
+              <a:rPr lang="en-US" dirty="0" smtClean="0"/>
+              <a:t> </a:t>
+            </a:r>
+            <a:r>
+              <a:rPr lang="en-US" dirty="0" smtClean="0"/>
+              <a:t>(x-value, y-value)</a:t>
+            </a:r>
+          </a:p>
+          <a:p>
+            <a:pPr lvl="1"/>
+            <a:r>
+              <a:rPr lang="en-US" dirty="0" err="1" smtClean="0"/>
+              <a:t>k.triangular_point</a:t>
+            </a:r>
+            <a:r>
+              <a:rPr lang="en-US" dirty="0" smtClean="0"/>
+              <a:t> (x-value, y-value)</a:t>
+            </a:r>
+          </a:p>
+          <a:p>
+            <a:pPr lvl="1"/>
+            <a:r>
+              <a:rPr lang="en-US" dirty="0" err="1" smtClean="0"/>
+              <a:t>k.uniform_point</a:t>
+            </a:r>
+            <a:r>
+              <a:rPr lang="en-US" dirty="0" smtClean="0"/>
+              <a:t> (x-value, y-value)</a:t>
+            </a:r>
+          </a:p>
+          <a:p>
+            <a:r>
+              <a:rPr lang="en-US" dirty="0" smtClean="0"/>
+              <a:t>The point functions require the user to enter the x and y values while the grid functions simply use the inputs from the Kernel class definition</a:t>
+            </a:r>
+            <a:endParaRPr lang="en-US" dirty="0" smtClean="0"/>
+          </a:p>
+        </p:txBody>
+      </p:sp>
+    </p:spTree>
+  </p:cSld>
+  <p:clrMapOvr>
+    <a:masterClrMapping/>
+  </p:clrMapOvr>
+  <p:timing>
+    <p:tnLst>
+      <p:par>
+        <p:cTn id="1" dur="indefinite" restart="never" nodeType="tmRoot"/>
+      </p:par>
+    </p:tnLst>
+  </p:timing>
+</p:sld>
+</file>
+
+<file path=ppt/slides/slide12.xml><?xml version="1.0" encoding="utf-8"?>
+<p:sld xmlns:a="http://schemas.openxmlformats.org/drawingml/2006/main" xmlns:r="http://schemas.openxmlformats.org/officeDocument/2006/relationships" xmlns:p="http://schemas.openxmlformats.org/presentationml/2006/main">
+  <p:cSld>
+    <p:spTree>
+      <p:nvGrpSpPr>
+        <p:cNvPr id="1" name=""/>
+        <p:cNvGrpSpPr/>
+        <p:nvPr/>
+      </p:nvGrpSpPr>
+      <p:grpSpPr>
+        <a:xfrm>
+          <a:off x="0" y="0"/>
+          <a:ext cx="0" cy="0"/>
+          <a:chOff x="0" y="0"/>
+          <a:chExt cx="0" cy="0"/>
+        </a:xfrm>
+      </p:grpSpPr>
+      <p:sp>
+        <p:nvSpPr>
+          <p:cNvPr id="2" name="Title 1"/>
+          <p:cNvSpPr>
+            <a:spLocks noGrp="1"/>
+          </p:cNvSpPr>
+          <p:nvPr>
+            <p:ph type="title"/>
+          </p:nvPr>
+        </p:nvSpPr>
+        <p:spPr/>
+        <p:txBody>
+          <a:bodyPr/>
+          <a:lstStyle/>
+          <a:p>
+            <a:r>
+              <a:rPr lang="en-US" dirty="0" smtClean="0"/>
+              <a:t>METHOD FUNCTION FLOW</a:t>
+            </a:r>
+            <a:endParaRPr lang="en-US" dirty="0"/>
+          </a:p>
+        </p:txBody>
+      </p:sp>
+      <p:pic>
+        <p:nvPicPr>
+          <p:cNvPr id="4" name="Content Placeholder 3" descr="Grid_Flow.bmp"/>
+          <p:cNvPicPr>
+            <a:picLocks noGrp="1" noChangeAspect="1"/>
+          </p:cNvPicPr>
+          <p:nvPr>
+            <p:ph sz="half" idx="1"/>
+          </p:nvPr>
+        </p:nvPicPr>
+        <p:blipFill>
+          <a:blip r:embed="rId2" cstate="print"/>
+          <a:stretch>
+            <a:fillRect/>
+          </a:stretch>
+        </p:blipFill>
+        <p:spPr>
+          <a:xfrm>
+            <a:off x="147694" y="1278612"/>
+            <a:ext cx="4076618" cy="5486400"/>
+          </a:xfrm>
+        </p:spPr>
+      </p:pic>
+      <p:sp>
+        <p:nvSpPr>
+          <p:cNvPr id="5" name="Content Placeholder 4"/>
+          <p:cNvSpPr>
+            <a:spLocks noGrp="1"/>
+          </p:cNvSpPr>
+          <p:nvPr>
+            <p:ph sz="half" idx="2"/>
+          </p:nvPr>
+        </p:nvSpPr>
+        <p:spPr/>
+        <p:txBody>
+          <a:bodyPr>
+            <a:normAutofit lnSpcReduction="10000"/>
+          </a:bodyPr>
+          <a:lstStyle/>
+          <a:p>
+            <a:r>
+              <a:rPr lang="en-US" dirty="0" smtClean="0"/>
+              <a:t>When using the grid functions there are two for loops</a:t>
+            </a:r>
+          </a:p>
+          <a:p>
+            <a:pPr lvl="1"/>
+            <a:r>
+              <a:rPr lang="en-US" dirty="0" smtClean="0"/>
+              <a:t>One for loop cycles through output grid points</a:t>
+            </a:r>
+          </a:p>
+          <a:p>
+            <a:pPr lvl="1"/>
+            <a:r>
+              <a:rPr lang="en-US" dirty="0" smtClean="0"/>
+              <a:t>An inner for loop cycles through input observation points</a:t>
+            </a:r>
+          </a:p>
+          <a:p>
+            <a:r>
+              <a:rPr lang="en-US" dirty="0" smtClean="0"/>
+              <a:t>When using the point functions there is only one for loop</a:t>
+            </a:r>
+          </a:p>
+          <a:p>
+            <a:pPr lvl="1"/>
+            <a:r>
+              <a:rPr lang="en-US" dirty="0" smtClean="0"/>
+              <a:t>Loops through the input observation points</a:t>
+            </a:r>
+          </a:p>
+        </p:txBody>
+      </p:sp>
+    </p:spTree>
+  </p:cSld>
+  <p:clrMapOvr>
+    <a:masterClrMapping/>
+  </p:clrMapOvr>
+  <p:timing>
+    <p:tnLst>
+      <p:par>
+        <p:cTn id="1" dur="indefinite" restart="never" nodeType="tmRoot"/>
+      </p:par>
+    </p:tnLst>
+  </p:timing>
 </p:sld>
 </file>
 
@@ -6303,7 +10223,7 @@
           <p:nvPr/>
         </p:nvPicPr>
         <p:blipFill>
-          <a:blip r:embed="rId2"/>
+          <a:blip r:embed="rId2" cstate="print"/>
           <a:stretch>
             <a:fillRect/>
           </a:stretch>
@@ -6327,7 +10247,7 @@
           <p:nvPr/>
         </p:nvPicPr>
         <p:blipFill>
-          <a:blip r:embed="rId3"/>
+          <a:blip r:embed="rId3" cstate="print"/>
           <a:stretch>
             <a:fillRect/>
           </a:stretch>
@@ -6345,13 +10265,20 @@
     </p:spTree>
     <p:extLst>
       <p:ext uri="{BB962C8B-B14F-4D97-AF65-F5344CB8AC3E}">
-        <p14:creationId xmlns:p14="http://schemas.microsoft.com/office/powerpoint/2010/main" val="1597277077"/>
+        <p14:creationId xmlns:p14="http://schemas.microsoft.com/office/powerpoint/2010/main" xmlns="" val="1597277077"/>
       </p:ext>
     </p:extLst>
   </p:cSld>
   <p:clrMapOvr>
     <a:masterClrMapping/>
   </p:clrMapOvr>
+  <p:timing>
+    <p:tnLst>
+      <p:par>
+        <p:cTn id="1" dur="indefinite" restart="never" nodeType="tmRoot"/>
+      </p:par>
+    </p:tnLst>
+  </p:timing>
 </p:sld>
 </file>
 
@@ -6432,7 +10359,7 @@
           <a:blip r:embed="rId2" cstate="email">
             <a:extLst>
               <a:ext uri="{28A0092B-C50C-407E-A947-70E740481C1C}">
-                <a14:useLocalDpi xmlns:a14="http://schemas.microsoft.com/office/drawing/2010/main" val="0"/>
+                <a14:useLocalDpi xmlns:a14="http://schemas.microsoft.com/office/drawing/2010/main" xmlns="" val="0"/>
               </a:ext>
             </a:extLst>
           </a:blip>
@@ -6453,13 +10380,20 @@
     </p:spTree>
     <p:extLst>
       <p:ext uri="{BB962C8B-B14F-4D97-AF65-F5344CB8AC3E}">
-        <p14:creationId xmlns:p14="http://schemas.microsoft.com/office/powerpoint/2010/main" val="1780929927"/>
+        <p14:creationId xmlns:p14="http://schemas.microsoft.com/office/powerpoint/2010/main" xmlns="" val="1780929927"/>
       </p:ext>
     </p:extLst>
   </p:cSld>
   <p:clrMapOvr>
     <a:masterClrMapping/>
   </p:clrMapOvr>
+  <p:timing>
+    <p:tnLst>
+      <p:par>
+        <p:cTn id="1" dur="indefinite" restart="never" nodeType="tmRoot"/>
+      </p:par>
+    </p:tnLst>
+  </p:timing>
 </p:sld>
 </file>
 
@@ -6540,13 +10474,20 @@
     </p:spTree>
     <p:extLst>
       <p:ext uri="{BB962C8B-B14F-4D97-AF65-F5344CB8AC3E}">
-        <p14:creationId xmlns:p14="http://schemas.microsoft.com/office/powerpoint/2010/main" val="3140764424"/>
+        <p14:creationId xmlns:p14="http://schemas.microsoft.com/office/powerpoint/2010/main" xmlns="" val="3140764424"/>
       </p:ext>
     </p:extLst>
   </p:cSld>
   <p:clrMapOvr>
     <a:masterClrMapping/>
   </p:clrMapOvr>
+  <p:timing>
+    <p:tnLst>
+      <p:par>
+        <p:cTn id="1" dur="indefinite" restart="never" nodeType="tmRoot"/>
+      </p:par>
+    </p:tnLst>
+  </p:timing>
 </p:sld>
 </file>
 
@@ -6634,7 +10575,7 @@
           <p:nvPr/>
         </p:nvPicPr>
         <p:blipFill>
-          <a:blip r:embed="rId2"/>
+          <a:blip r:embed="rId2" cstate="print"/>
           <a:stretch>
             <a:fillRect/>
           </a:stretch>
@@ -6652,13 +10593,20 @@
     </p:spTree>
     <p:extLst>
       <p:ext uri="{BB962C8B-B14F-4D97-AF65-F5344CB8AC3E}">
-        <p14:creationId xmlns:p14="http://schemas.microsoft.com/office/powerpoint/2010/main" val="3444454099"/>
+        <p14:creationId xmlns:p14="http://schemas.microsoft.com/office/powerpoint/2010/main" xmlns="" val="3444454099"/>
       </p:ext>
     </p:extLst>
   </p:cSld>
   <p:clrMapOvr>
     <a:masterClrMapping/>
   </p:clrMapOvr>
+  <p:timing>
+    <p:tnLst>
+      <p:par>
+        <p:cTn id="1" dur="indefinite" restart="never" nodeType="tmRoot"/>
+      </p:par>
+    </p:tnLst>
+  </p:timing>
 </p:sld>
 </file>
 
@@ -6746,7 +10694,7 @@
     </p:spTree>
     <p:extLst>
       <p:ext uri="{BB962C8B-B14F-4D97-AF65-F5344CB8AC3E}">
-        <p14:creationId xmlns:p14="http://schemas.microsoft.com/office/powerpoint/2010/main" val="3318142329"/>
+        <p14:creationId xmlns:p14="http://schemas.microsoft.com/office/powerpoint/2010/main" xmlns="" val="3318142329"/>
       </p:ext>
     </p:extLst>
   </p:cSld>
@@ -6780,6 +10728,84 @@
           <a:chExt cx="0" cy="0"/>
         </a:xfrm>
       </p:grpSpPr>
+      <p:sp>
+        <p:nvSpPr>
+          <p:cNvPr id="2" name="Title 1"/>
+          <p:cNvSpPr>
+            <a:spLocks noGrp="1"/>
+          </p:cNvSpPr>
+          <p:nvPr>
+            <p:ph type="title"/>
+          </p:nvPr>
+        </p:nvSpPr>
+        <p:spPr/>
+        <p:txBody>
+          <a:bodyPr/>
+          <a:lstStyle/>
+          <a:p>
+            <a:r>
+              <a:rPr lang="en-US" dirty="0" smtClean="0"/>
+              <a:t>KERNEL CALCULATION IMAGES</a:t>
+            </a:r>
+            <a:endParaRPr lang="en-US" dirty="0"/>
+          </a:p>
+        </p:txBody>
+      </p:sp>
+      <p:pic>
+        <p:nvPicPr>
+          <p:cNvPr id="4" name="Content Placeholder 3" descr="Kernel_Image.bmp"/>
+          <p:cNvPicPr>
+            <a:picLocks noGrp="1" noChangeAspect="1"/>
+          </p:cNvPicPr>
+          <p:nvPr>
+            <p:ph sz="quarter" idx="1"/>
+          </p:nvPr>
+        </p:nvPicPr>
+        <p:blipFill>
+          <a:blip r:embed="rId2" cstate="print"/>
+          <a:stretch>
+            <a:fillRect/>
+          </a:stretch>
+        </p:blipFill>
+        <p:spPr>
+          <a:xfrm>
+            <a:off x="301625" y="2016559"/>
+            <a:ext cx="8504238" cy="3593232"/>
+          </a:xfrm>
+        </p:spPr>
+      </p:pic>
+    </p:spTree>
+  </p:cSld>
+  <p:clrMapOvr>
+    <a:masterClrMapping/>
+  </p:clrMapOvr>
+  <p:timing>
+    <p:tnLst>
+      <p:par>
+        <p:cTn id="1" dur="indefinite" restart="never" nodeType="tmRoot"/>
+      </p:par>
+    </p:tnLst>
+  </p:timing>
+</p:sld>
+</file>
+
+<file path=ppt/slides/slide8.xml><?xml version="1.0" encoding="utf-8"?>
+<p:sld xmlns:a="http://schemas.openxmlformats.org/drawingml/2006/main" xmlns:r="http://schemas.openxmlformats.org/officeDocument/2006/relationships" xmlns:p="http://schemas.openxmlformats.org/presentationml/2006/main">
+  <p:cSld>
+    <p:spTree>
+      <p:nvGrpSpPr>
+        <p:cNvPr id="1" name=""/>
+        <p:cNvGrpSpPr/>
+        <p:nvPr/>
+      </p:nvGrpSpPr>
+      <p:grpSpPr>
+        <a:xfrm>
+          <a:off x="0" y="0"/>
+          <a:ext cx="0" cy="0"/>
+          <a:chOff x="0" y="0"/>
+          <a:chExt cx="0" cy="0"/>
+        </a:xfrm>
+      </p:grpSpPr>
       <p:pic>
         <p:nvPicPr>
           <p:cNvPr id="64" name="Picture 63"/>
@@ -6792,7 +10818,7 @@
           <a:blip r:embed="rId2" cstate="email">
             <a:extLst>
               <a:ext uri="{28A0092B-C50C-407E-A947-70E740481C1C}">
-                <a14:useLocalDpi xmlns:a14="http://schemas.microsoft.com/office/drawing/2010/main" val="0"/>
+                <a14:useLocalDpi xmlns:a14="http://schemas.microsoft.com/office/drawing/2010/main" xmlns="" val="0"/>
               </a:ext>
             </a:extLst>
           </a:blip>
@@ -8444,7 +12470,7 @@
     </p:spTree>
     <p:extLst>
       <p:ext uri="{BB962C8B-B14F-4D97-AF65-F5344CB8AC3E}">
-        <p14:creationId xmlns:p14="http://schemas.microsoft.com/office/powerpoint/2010/main" val="1287446540"/>
+        <p14:creationId xmlns:p14="http://schemas.microsoft.com/office/powerpoint/2010/main" xmlns="" val="1287446540"/>
       </p:ext>
     </p:extLst>
   </p:cSld>
@@ -8663,6 +12689,81 @@
     <p:bldLst>
       <p:bldP spid="62" grpId="0" animBg="1"/>
     </p:bldLst>
+  </p:timing>
+</p:sld>
+</file>
+
+<file path=ppt/slides/slide9.xml><?xml version="1.0" encoding="utf-8"?>
+<p:sld xmlns:a="http://schemas.openxmlformats.org/drawingml/2006/main" xmlns:r="http://schemas.openxmlformats.org/officeDocument/2006/relationships" xmlns:p="http://schemas.openxmlformats.org/presentationml/2006/main">
+  <p:cSld>
+    <p:spTree>
+      <p:nvGrpSpPr>
+        <p:cNvPr id="1" name=""/>
+        <p:cNvGrpSpPr/>
+        <p:nvPr/>
+      </p:nvGrpSpPr>
+      <p:grpSpPr>
+        <a:xfrm>
+          <a:off x="0" y="0"/>
+          <a:ext cx="0" cy="0"/>
+          <a:chOff x="0" y="0"/>
+          <a:chExt cx="0" cy="0"/>
+        </a:xfrm>
+      </p:grpSpPr>
+      <p:sp>
+        <p:nvSpPr>
+          <p:cNvPr id="2" name="Title 1"/>
+          <p:cNvSpPr>
+            <a:spLocks noGrp="1"/>
+          </p:cNvSpPr>
+          <p:nvPr>
+            <p:ph type="title"/>
+          </p:nvPr>
+        </p:nvSpPr>
+        <p:spPr/>
+        <p:txBody>
+          <a:bodyPr/>
+          <a:lstStyle/>
+          <a:p>
+            <a:r>
+              <a:rPr lang="en-US" dirty="0" smtClean="0"/>
+              <a:t>PROGRAMMING FLOW CHART</a:t>
+            </a:r>
+            <a:endParaRPr lang="en-US" dirty="0"/>
+          </a:p>
+        </p:txBody>
+      </p:sp>
+      <p:graphicFrame>
+        <p:nvGraphicFramePr>
+          <p:cNvPr id="4" name="Content Placeholder 3"/>
+          <p:cNvGraphicFramePr>
+            <a:graphicFrameLocks noGrp="1"/>
+          </p:cNvGraphicFramePr>
+          <p:nvPr>
+            <p:ph sz="quarter" idx="1"/>
+          </p:nvPr>
+        </p:nvGraphicFramePr>
+        <p:xfrm>
+          <a:off x="301625" y="1527175"/>
+          <a:ext cx="8504238" cy="4572000"/>
+        </p:xfrm>
+        <a:graphic>
+          <a:graphicData uri="http://schemas.openxmlformats.org/drawingml/2006/diagram">
+            <dgm:relIds xmlns:dgm="http://schemas.openxmlformats.org/drawingml/2006/diagram" xmlns:r="http://schemas.openxmlformats.org/officeDocument/2006/relationships" r:dm="rId2" r:lo="rId3" r:qs="rId4" r:cs="rId5"/>
+          </a:graphicData>
+        </a:graphic>
+      </p:graphicFrame>
+    </p:spTree>
+  </p:cSld>
+  <p:clrMapOvr>
+    <a:masterClrMapping/>
+  </p:clrMapOvr>
+  <p:timing>
+    <p:tnLst>
+      <p:par>
+        <p:cTn id="1" dur="indefinite" restart="never" nodeType="tmRoot"/>
+      </p:par>
+    </p:tnLst>
   </p:timing>
 </p:sld>
 </file>
